--- a/Course/720 Artificial Intelligence II/report/720.pptx
+++ b/Course/720 Artificial Intelligence II/report/720.pptx
@@ -11,29 +11,29 @@
     <p:sldId id="277" r:id="rId2"/>
     <p:sldId id="258" r:id="rId3"/>
     <p:sldId id="278" r:id="rId4"/>
-    <p:sldId id="279" r:id="rId5"/>
-    <p:sldId id="284" r:id="rId6"/>
-    <p:sldId id="280" r:id="rId7"/>
-    <p:sldId id="281" r:id="rId8"/>
-    <p:sldId id="282" r:id="rId9"/>
-    <p:sldId id="283" r:id="rId10"/>
-    <p:sldId id="285" r:id="rId11"/>
-    <p:sldId id="286" r:id="rId12"/>
-    <p:sldId id="287" r:id="rId13"/>
-    <p:sldId id="288" r:id="rId14"/>
-    <p:sldId id="289" r:id="rId15"/>
-    <p:sldId id="290" r:id="rId16"/>
-    <p:sldId id="291" r:id="rId17"/>
-    <p:sldId id="292" r:id="rId18"/>
-    <p:sldId id="293" r:id="rId19"/>
-    <p:sldId id="294" r:id="rId20"/>
-    <p:sldId id="295" r:id="rId21"/>
-    <p:sldId id="296" r:id="rId22"/>
-    <p:sldId id="297" r:id="rId23"/>
-    <p:sldId id="298" r:id="rId24"/>
-    <p:sldId id="299" r:id="rId25"/>
-    <p:sldId id="300" r:id="rId26"/>
-    <p:sldId id="301" r:id="rId27"/>
+    <p:sldId id="284" r:id="rId5"/>
+    <p:sldId id="280" r:id="rId6"/>
+    <p:sldId id="281" r:id="rId7"/>
+    <p:sldId id="282" r:id="rId8"/>
+    <p:sldId id="283" r:id="rId9"/>
+    <p:sldId id="285" r:id="rId10"/>
+    <p:sldId id="286" r:id="rId11"/>
+    <p:sldId id="287" r:id="rId12"/>
+    <p:sldId id="288" r:id="rId13"/>
+    <p:sldId id="289" r:id="rId14"/>
+    <p:sldId id="290" r:id="rId15"/>
+    <p:sldId id="291" r:id="rId16"/>
+    <p:sldId id="292" r:id="rId17"/>
+    <p:sldId id="293" r:id="rId18"/>
+    <p:sldId id="297" r:id="rId19"/>
+    <p:sldId id="298" r:id="rId20"/>
+    <p:sldId id="299" r:id="rId21"/>
+    <p:sldId id="300" r:id="rId22"/>
+    <p:sldId id="301" r:id="rId23"/>
+    <p:sldId id="305" r:id="rId24"/>
+    <p:sldId id="302" r:id="rId25"/>
+    <p:sldId id="303" r:id="rId26"/>
+    <p:sldId id="304" r:id="rId27"/>
   </p:sldIdLst>
   <p:sldSz cx="9144000" cy="6858000" type="screen4x3"/>
   <p:notesSz cx="6858000" cy="9144000"/>
@@ -217,7 +217,8 @@
           <a:p>
             <a:fld id="{AA71EE6C-E9E6-2E4E-82C6-8EA921808066}" type="datetimeFigureOut">
               <a:rPr lang="en-US" smtClean="0"/>
-              <a:t>5/7/11</a:t>
+              <a:pPr/>
+              <a:t>5/11/2011</a:t>
             </a:fld>
             <a:endParaRPr lang="en-US"/>
           </a:p>
@@ -376,6 +377,7 @@
           <a:p>
             <a:fld id="{E1DD354F-B1AE-E044-82C5-C4ADFC6D0932}" type="slidenum">
               <a:rPr lang="en-US" smtClean="0"/>
+              <a:pPr/>
               <a:t>‹#›</a:t>
             </a:fld>
             <a:endParaRPr lang="en-US"/>
@@ -385,7 +387,7 @@
     </p:spTree>
     <p:extLst>
       <p:ext uri="{BB962C8B-B14F-4D97-AF65-F5344CB8AC3E}">
-        <p14:creationId xmlns:p14="http://schemas.microsoft.com/office/powerpoint/2010/main" val="2806002537"/>
+        <p14:creationId xmlns:p14="http://schemas.microsoft.com/office/powerpoint/2010/main" xmlns="" val="2806002537"/>
       </p:ext>
     </p:extLst>
   </p:cSld>
@@ -669,7 +671,7 @@
             <a:fld id="{A6C1F415-CFBB-4560-AAEB-C4B36E7BE2F9}" type="slidenum">
               <a:rPr lang="en-US" smtClean="0"/>
               <a:pPr/>
-              <a:t>5</a:t>
+              <a:t>4</a:t>
             </a:fld>
             <a:endParaRPr lang="en-US"/>
           </a:p>
@@ -678,7 +680,7 @@
     </p:spTree>
     <p:extLst>
       <p:ext uri="{BB962C8B-B14F-4D97-AF65-F5344CB8AC3E}">
-        <p14:creationId xmlns:p14="http://schemas.microsoft.com/office/powerpoint/2010/main" val="1542067228"/>
+        <p14:creationId xmlns:p14="http://schemas.microsoft.com/office/powerpoint/2010/main" xmlns="" val="1542067228"/>
       </p:ext>
     </p:extLst>
   </p:cSld>
@@ -756,7 +758,7 @@
             <a:fld id="{A6C1F415-CFBB-4560-AAEB-C4B36E7BE2F9}" type="slidenum">
               <a:rPr lang="en-US" smtClean="0"/>
               <a:pPr/>
-              <a:t>7</a:t>
+              <a:t>6</a:t>
             </a:fld>
             <a:endParaRPr lang="en-US"/>
           </a:p>
@@ -1018,7 +1020,8 @@
           <a:p>
             <a:fld id="{7CA5DD9A-1F97-AE46-B943-E59A4FD704A3}" type="datetimeFigureOut">
               <a:rPr lang="en-US" smtClean="0"/>
-              <a:t>5/7/11</a:t>
+              <a:pPr/>
+              <a:t>5/11/2011</a:t>
             </a:fld>
             <a:endParaRPr lang="en-US"/>
           </a:p>
@@ -1060,6 +1063,7 @@
           <a:p>
             <a:fld id="{D9F7B0AB-7D47-B246-A630-357EDFAFA4E4}" type="slidenum">
               <a:rPr lang="en-US" smtClean="0"/>
+              <a:pPr/>
               <a:t>‹#›</a:t>
             </a:fld>
             <a:endParaRPr lang="en-US"/>
@@ -1241,7 +1245,8 @@
           <a:p>
             <a:fld id="{7CA5DD9A-1F97-AE46-B943-E59A4FD704A3}" type="datetimeFigureOut">
               <a:rPr lang="en-US" smtClean="0"/>
-              <a:t>5/7/11</a:t>
+              <a:pPr/>
+              <a:t>5/11/2011</a:t>
             </a:fld>
             <a:endParaRPr lang="en-US"/>
           </a:p>
@@ -1283,6 +1288,7 @@
           <a:p>
             <a:fld id="{D9F7B0AB-7D47-B246-A630-357EDFAFA4E4}" type="slidenum">
               <a:rPr lang="en-US" smtClean="0"/>
+              <a:pPr/>
               <a:t>‹#›</a:t>
             </a:fld>
             <a:endParaRPr lang="en-US"/>
@@ -1521,7 +1527,8 @@
           <a:p>
             <a:fld id="{7CA5DD9A-1F97-AE46-B943-E59A4FD704A3}" type="datetimeFigureOut">
               <a:rPr lang="en-US" smtClean="0"/>
-              <a:t>5/7/11</a:t>
+              <a:pPr/>
+              <a:t>5/11/2011</a:t>
             </a:fld>
             <a:endParaRPr lang="en-US"/>
           </a:p>
@@ -1568,6 +1575,7 @@
           <a:p>
             <a:fld id="{D9F7B0AB-7D47-B246-A630-357EDFAFA4E4}" type="slidenum">
               <a:rPr lang="en-US" smtClean="0"/>
+              <a:pPr/>
               <a:t>‹#›</a:t>
             </a:fld>
             <a:endParaRPr lang="en-US"/>
@@ -1700,7 +1708,8 @@
           <a:p>
             <a:fld id="{7CA5DD9A-1F97-AE46-B943-E59A4FD704A3}" type="datetimeFigureOut">
               <a:rPr lang="en-US" smtClean="0"/>
-              <a:t>5/7/11</a:t>
+              <a:pPr/>
+              <a:t>5/11/2011</a:t>
             </a:fld>
             <a:endParaRPr lang="en-US"/>
           </a:p>
@@ -1742,6 +1751,7 @@
           <a:p>
             <a:fld id="{D9F7B0AB-7D47-B246-A630-357EDFAFA4E4}" type="slidenum">
               <a:rPr lang="en-US" smtClean="0"/>
+              <a:pPr/>
               <a:t>‹#›</a:t>
             </a:fld>
             <a:endParaRPr lang="en-US"/>
@@ -2058,7 +2068,8 @@
           <a:p>
             <a:fld id="{7CA5DD9A-1F97-AE46-B943-E59A4FD704A3}" type="datetimeFigureOut">
               <a:rPr lang="en-US" smtClean="0"/>
-              <a:t>5/7/11</a:t>
+              <a:pPr/>
+              <a:t>5/11/2011</a:t>
             </a:fld>
             <a:endParaRPr lang="en-US"/>
           </a:p>
@@ -2100,6 +2111,7 @@
           <a:p>
             <a:fld id="{D9F7B0AB-7D47-B246-A630-357EDFAFA4E4}" type="slidenum">
               <a:rPr lang="en-US" smtClean="0"/>
+              <a:pPr/>
               <a:t>‹#›</a:t>
             </a:fld>
             <a:endParaRPr lang="en-US"/>
@@ -2345,7 +2357,8 @@
           <a:p>
             <a:fld id="{7CA5DD9A-1F97-AE46-B943-E59A4FD704A3}" type="datetimeFigureOut">
               <a:rPr lang="en-US" smtClean="0"/>
-              <a:t>5/7/11</a:t>
+              <a:pPr/>
+              <a:t>5/11/2011</a:t>
             </a:fld>
             <a:endParaRPr lang="en-US"/>
           </a:p>
@@ -2387,6 +2400,7 @@
           <a:p>
             <a:fld id="{D9F7B0AB-7D47-B246-A630-357EDFAFA4E4}" type="slidenum">
               <a:rPr lang="en-US" smtClean="0"/>
+              <a:pPr/>
               <a:t>‹#›</a:t>
             </a:fld>
             <a:endParaRPr lang="en-US"/>
@@ -2767,7 +2781,8 @@
           <a:p>
             <a:fld id="{7CA5DD9A-1F97-AE46-B943-E59A4FD704A3}" type="datetimeFigureOut">
               <a:rPr lang="en-US" smtClean="0"/>
-              <a:t>5/7/11</a:t>
+              <a:pPr/>
+              <a:t>5/11/2011</a:t>
             </a:fld>
             <a:endParaRPr lang="en-US"/>
           </a:p>
@@ -2809,6 +2824,7 @@
           <a:p>
             <a:fld id="{D9F7B0AB-7D47-B246-A630-357EDFAFA4E4}" type="slidenum">
               <a:rPr lang="en-US" smtClean="0"/>
+              <a:pPr/>
               <a:t>‹#›</a:t>
             </a:fld>
             <a:endParaRPr lang="en-US"/>
@@ -2882,7 +2898,8 @@
           <a:p>
             <a:fld id="{7CA5DD9A-1F97-AE46-B943-E59A4FD704A3}" type="datetimeFigureOut">
               <a:rPr lang="en-US" smtClean="0"/>
-              <a:t>5/7/11</a:t>
+              <a:pPr/>
+              <a:t>5/11/2011</a:t>
             </a:fld>
             <a:endParaRPr lang="en-US"/>
           </a:p>
@@ -2924,6 +2941,7 @@
           <a:p>
             <a:fld id="{D9F7B0AB-7D47-B246-A630-357EDFAFA4E4}" type="slidenum">
               <a:rPr lang="en-US" smtClean="0"/>
+              <a:pPr/>
               <a:t>‹#›</a:t>
             </a:fld>
             <a:endParaRPr lang="en-US"/>
@@ -2972,7 +2990,8 @@
           <a:p>
             <a:fld id="{7CA5DD9A-1F97-AE46-B943-E59A4FD704A3}" type="datetimeFigureOut">
               <a:rPr lang="en-US" smtClean="0"/>
-              <a:t>5/7/11</a:t>
+              <a:pPr/>
+              <a:t>5/11/2011</a:t>
             </a:fld>
             <a:endParaRPr lang="en-US"/>
           </a:p>
@@ -3014,6 +3033,7 @@
           <a:p>
             <a:fld id="{D9F7B0AB-7D47-B246-A630-357EDFAFA4E4}" type="slidenum">
               <a:rPr lang="en-US" smtClean="0"/>
+              <a:pPr/>
               <a:t>‹#›</a:t>
             </a:fld>
             <a:endParaRPr lang="en-US"/>
@@ -3250,7 +3270,8 @@
           <a:p>
             <a:fld id="{7CA5DD9A-1F97-AE46-B943-E59A4FD704A3}" type="datetimeFigureOut">
               <a:rPr lang="en-US" smtClean="0"/>
-              <a:t>5/7/11</a:t>
+              <a:pPr/>
+              <a:t>5/11/2011</a:t>
             </a:fld>
             <a:endParaRPr lang="en-US"/>
           </a:p>
@@ -3292,6 +3313,7 @@
           <a:p>
             <a:fld id="{D9F7B0AB-7D47-B246-A630-357EDFAFA4E4}" type="slidenum">
               <a:rPr lang="en-US" smtClean="0"/>
+              <a:pPr/>
               <a:t>‹#›</a:t>
             </a:fld>
             <a:endParaRPr lang="en-US"/>
@@ -3616,7 +3638,8 @@
           <a:p>
             <a:fld id="{7CA5DD9A-1F97-AE46-B943-E59A4FD704A3}" type="datetimeFigureOut">
               <a:rPr lang="en-US" smtClean="0"/>
-              <a:t>5/7/11</a:t>
+              <a:pPr/>
+              <a:t>5/11/2011</a:t>
             </a:fld>
             <a:endParaRPr lang="en-US"/>
           </a:p>
@@ -3772,6 +3795,7 @@
           <a:p>
             <a:fld id="{D9F7B0AB-7D47-B246-A630-357EDFAFA4E4}" type="slidenum">
               <a:rPr lang="en-US" smtClean="0"/>
+              <a:pPr/>
               <a:t>‹#›</a:t>
             </a:fld>
             <a:endParaRPr lang="en-US"/>
@@ -4053,7 +4077,8 @@
           <a:p>
             <a:fld id="{7CA5DD9A-1F97-AE46-B943-E59A4FD704A3}" type="datetimeFigureOut">
               <a:rPr lang="en-US" smtClean="0"/>
-              <a:t>5/7/11</a:t>
+              <a:pPr/>
+              <a:t>5/11/2011</a:t>
             </a:fld>
             <a:endParaRPr lang="en-US"/>
           </a:p>
@@ -4133,6 +4158,7 @@
           <a:p>
             <a:fld id="{D9F7B0AB-7D47-B246-A630-357EDFAFA4E4}" type="slidenum">
               <a:rPr lang="en-US" smtClean="0"/>
+              <a:pPr/>
               <a:t>‹#›</a:t>
             </a:fld>
             <a:endParaRPr lang="en-US"/>
@@ -4740,7 +4766,7 @@
           <a:blip r:embed="rId4" cstate="print">
             <a:extLst>
               <a:ext uri="{28A0092B-C50C-407E-A947-70E740481C1C}">
-                <a14:useLocalDpi xmlns:a14="http://schemas.microsoft.com/office/drawing/2010/main" val="0"/>
+                <a14:useLocalDpi xmlns:a14="http://schemas.microsoft.com/office/drawing/2010/main" xmlns="" val="0"/>
               </a:ext>
             </a:extLst>
           </a:blip>
@@ -4785,7 +4811,7 @@
     </p:spTree>
     <p:extLst>
       <p:ext uri="{BB962C8B-B14F-4D97-AF65-F5344CB8AC3E}">
-        <p14:creationId xmlns:p14="http://schemas.microsoft.com/office/powerpoint/2010/main" val="553878941"/>
+        <p14:creationId xmlns:p14="http://schemas.microsoft.com/office/powerpoint/2010/main" xmlns="" val="553878941"/>
       </p:ext>
     </p:extLst>
   </p:cSld>
@@ -4795,7 +4821,7 @@
   <p:timing>
     <p:tnLst>
       <p:par>
-        <p:cTn xmlns:p14="http://schemas.microsoft.com/office/powerpoint/2010/main" id="1" dur="indefinite" restart="never" nodeType="tmRoot"/>
+        <p:cTn id="1" dur="indefinite" restart="never" nodeType="tmRoot"/>
       </p:par>
     </p:tnLst>
   </p:timing>
@@ -4835,22 +4861,17 @@
           <a:lstStyle/>
           <a:p>
             <a:r>
-              <a:rPr lang="nl-NL" dirty="0"/>
-              <a:t>Look-</a:t>
-            </a:r>
-            <a:r>
-              <a:rPr lang="nl-NL" dirty="0" err="1"/>
-              <a:t>Ahead</a:t>
-            </a:r>
-            <a:r>
-              <a:rPr lang="nl-NL" dirty="0"/>
-              <a:t> </a:t>
-            </a:r>
-            <a:r>
-              <a:rPr lang="nl-NL" dirty="0" err="1"/>
-              <a:t>heuristic</a:t>
-            </a:r>
-            <a:endParaRPr lang="en-US" dirty="0"/>
+              <a:rPr lang="en-US" dirty="0"/>
+              <a:t>Max-</a:t>
+            </a:r>
+            <a:r>
+              <a:rPr lang="en-US" dirty="0" smtClean="0"/>
+              <a:t>Call Depth </a:t>
+            </a:r>
+            <a:r>
+              <a:rPr lang="en-US" dirty="0"/>
+              <a:t>(MCD) heuristic</a:t>
+            </a:r>
           </a:p>
         </p:txBody>
       </p:sp>
@@ -4866,27 +4887,31 @@
         </p:nvSpPr>
         <p:spPr>
           <a:xfrm>
-            <a:off x="457200" y="1775191"/>
-            <a:ext cx="5538694" cy="4625609"/>
+            <a:off x="427318" y="1655663"/>
+            <a:ext cx="4129741" cy="4625609"/>
           </a:xfrm>
         </p:spPr>
         <p:txBody>
           <a:bodyPr>
-            <a:normAutofit/>
+            <a:noAutofit/>
           </a:bodyPr>
           <a:lstStyle/>
           <a:p>
             <a:r>
+              <a:rPr lang="en-US" sz="2400" dirty="0"/>
+              <a:t>The principle of the Max-</a:t>
+            </a:r>
+            <a:r>
               <a:rPr lang="en-US" sz="2400" dirty="0" smtClean="0"/>
-              <a:t>Perform </a:t>
+              <a:t>Call Depth heuristic </a:t>
             </a:r>
             <a:r>
               <a:rPr lang="en-US" sz="2400" dirty="0"/>
-              <a:t>a reachability analysis in terms of reachable items in </a:t>
+              <a:t>(MCD) is to prevent backtracking in deep </a:t>
             </a:r>
             <a:r>
               <a:rPr lang="en-US" sz="2400" dirty="0" smtClean="0"/>
-              <a:t>the CFG</a:t>
+              <a:t>nested calls</a:t>
             </a:r>
           </a:p>
           <a:p>
@@ -4895,43 +4920,52 @@
           <a:p>
             <a:r>
               <a:rPr lang="en-US" sz="2400" dirty="0"/>
-              <a:t>D</a:t>
+              <a:t>MCD may discard </a:t>
             </a:r>
             <a:r>
               <a:rPr lang="en-US" sz="2400" dirty="0" smtClean="0"/>
-              <a:t>ecide </a:t>
+              <a:t>relevant paths </a:t>
             </a:r>
             <a:r>
               <a:rPr lang="en-US" sz="2400" dirty="0"/>
-              <a:t>whether the current path must be expanded based on the reachability </a:t>
+              <a:t>and prevent the full coverage of the function </a:t>
             </a:r>
             <a:r>
               <a:rPr lang="en-US" sz="2400" dirty="0" smtClean="0"/>
-              <a:t>analysis</a:t>
-            </a:r>
+              <a:t>under test</a:t>
+            </a:r>
+            <a:r>
+              <a:rPr lang="en-US" sz="2400" dirty="0"/>
+              <a:t>. </a:t>
+            </a:r>
+            <a:endParaRPr lang="en-US" sz="2400" dirty="0" smtClean="0"/>
           </a:p>
           <a:p>
             <a:endParaRPr lang="en-US" sz="2400" dirty="0"/>
           </a:p>
           <a:p>
             <a:r>
+              <a:rPr lang="en-US" sz="2400" dirty="0" smtClean="0"/>
+              <a:t>On </a:t>
+            </a:r>
+            <a:r>
               <a:rPr lang="en-US" sz="2400" dirty="0"/>
-              <a:t>If no new items can </a:t>
+              <a:t>some programs MCD can </a:t>
             </a:r>
             <a:r>
               <a:rPr lang="en-US" sz="2400" dirty="0" smtClean="0"/>
-              <a:t>be reached</a:t>
+              <a:t>discard many </a:t>
             </a:r>
             <a:r>
               <a:rPr lang="en-US" sz="2400" dirty="0"/>
-              <a:t>, then exploration along the current path is stopped.</a:t>
+              <a:t>paths and still achieve full coverage.</a:t>
             </a:r>
           </a:p>
         </p:txBody>
       </p:sp>
       <p:pic>
         <p:nvPicPr>
-          <p:cNvPr id="4" name="Picture 3" descr="Screen shot 2011-05-08 at 12.15.24 AM.png"/>
+          <p:cNvPr id="4" name="Picture 3" descr="Screen shot 2011-05-08 at 12.23.44 AM.png"/>
           <p:cNvPicPr>
             <a:picLocks noChangeAspect="1"/>
           </p:cNvPicPr>
@@ -4941,7 +4975,7 @@
           <a:blip r:embed="rId2">
             <a:extLst>
               <a:ext uri="{28A0092B-C50C-407E-A947-70E740481C1C}">
-                <a14:useLocalDpi xmlns:a14="http://schemas.microsoft.com/office/drawing/2010/main" val="0"/>
+                <a14:useLocalDpi xmlns:a14="http://schemas.microsoft.com/office/drawing/2010/main" xmlns="" val="0"/>
               </a:ext>
             </a:extLst>
           </a:blip>
@@ -4951,8 +4985,8 @@
         </p:blipFill>
         <p:spPr>
           <a:xfrm>
-            <a:off x="6275516" y="2029191"/>
-            <a:ext cx="2868484" cy="3977162"/>
+            <a:off x="4478204" y="2360705"/>
+            <a:ext cx="4665796" cy="3195171"/>
           </a:xfrm>
           <a:prstGeom prst="rect">
             <a:avLst/>
@@ -4962,7 +4996,7 @@
     </p:spTree>
     <p:extLst>
       <p:ext uri="{BB962C8B-B14F-4D97-AF65-F5344CB8AC3E}">
-        <p14:creationId xmlns:p14="http://schemas.microsoft.com/office/powerpoint/2010/main" val="2918294584"/>
+        <p14:creationId xmlns:p14="http://schemas.microsoft.com/office/powerpoint/2010/main" xmlns="" val="286775692"/>
       </p:ext>
     </p:extLst>
   </p:cSld>
@@ -4972,7 +5006,7 @@
   <p:timing>
     <p:tnLst>
       <p:par>
-        <p:cTn xmlns:p14="http://schemas.microsoft.com/office/powerpoint/2010/main" id="1" dur="indefinite" restart="never" nodeType="tmRoot"/>
+        <p:cTn id="1" dur="indefinite" restart="never" nodeType="tmRoot"/>
       </p:par>
     </p:tnLst>
   </p:timing>
@@ -5013,15 +5047,7 @@
           <a:p>
             <a:r>
               <a:rPr lang="en-US" dirty="0"/>
-              <a:t>Max-</a:t>
-            </a:r>
-            <a:r>
-              <a:rPr lang="en-US" dirty="0" smtClean="0"/>
-              <a:t>Call Depth </a:t>
-            </a:r>
-            <a:r>
-              <a:rPr lang="en-US" dirty="0"/>
-              <a:t>(MCD) heuristic</a:t>
+              <a:t>Solve-First (SF) heuristic</a:t>
             </a:r>
           </a:p>
         </p:txBody>
@@ -5038,85 +5064,84 @@
         </p:nvSpPr>
         <p:spPr>
           <a:xfrm>
-            <a:off x="427318" y="1655663"/>
-            <a:ext cx="4129741" cy="4625609"/>
+            <a:off x="457200" y="1775191"/>
+            <a:ext cx="5145741" cy="4625609"/>
           </a:xfrm>
         </p:spPr>
         <p:txBody>
           <a:bodyPr>
-            <a:noAutofit/>
+            <a:normAutofit fontScale="85000" lnSpcReduction="10000"/>
           </a:bodyPr>
           <a:lstStyle/>
           <a:p>
             <a:r>
-              <a:rPr lang="en-US" sz="2400" dirty="0"/>
-              <a:t>The principle of the Max-</a:t>
-            </a:r>
-            <a:r>
-              <a:rPr lang="en-US" sz="2400" dirty="0" smtClean="0"/>
-              <a:t>Call Depth heuristic </a:t>
-            </a:r>
-            <a:r>
-              <a:rPr lang="en-US" sz="2400" dirty="0"/>
-              <a:t>(MCD) is to prevent backtracking in deep </a:t>
-            </a:r>
-            <a:r>
-              <a:rPr lang="en-US" sz="2400" dirty="0" smtClean="0"/>
-              <a:t>nested calls</a:t>
-            </a:r>
-          </a:p>
-          <a:p>
-            <a:endParaRPr lang="en-US" sz="2400" dirty="0" smtClean="0"/>
-          </a:p>
-          <a:p>
-            <a:r>
-              <a:rPr lang="en-US" sz="2400" dirty="0"/>
-              <a:t>MCD may discard </a:t>
-            </a:r>
-            <a:r>
-              <a:rPr lang="en-US" sz="2400" dirty="0" smtClean="0"/>
-              <a:t>relevant paths </a:t>
-            </a:r>
-            <a:r>
-              <a:rPr lang="en-US" sz="2400" dirty="0"/>
-              <a:t>and prevent the full coverage of the function </a:t>
-            </a:r>
-            <a:r>
-              <a:rPr lang="en-US" sz="2400" dirty="0" smtClean="0"/>
-              <a:t>under test</a:t>
-            </a:r>
-            <a:r>
-              <a:rPr lang="en-US" sz="2400" dirty="0"/>
-              <a:t>. </a:t>
-            </a:r>
-            <a:endParaRPr lang="en-US" sz="2400" dirty="0" smtClean="0"/>
-          </a:p>
-          <a:p>
-            <a:endParaRPr lang="en-US" sz="2400" dirty="0"/>
-          </a:p>
-          <a:p>
-            <a:r>
-              <a:rPr lang="en-US" sz="2400" dirty="0" smtClean="0"/>
-              <a:t>On </a:t>
-            </a:r>
-            <a:r>
-              <a:rPr lang="en-US" sz="2400" dirty="0"/>
-              <a:t>some programs MCD can </a:t>
-            </a:r>
-            <a:r>
-              <a:rPr lang="en-US" sz="2400" dirty="0" smtClean="0"/>
-              <a:t>discard many </a:t>
-            </a:r>
-            <a:r>
-              <a:rPr lang="en-US" sz="2400" dirty="0"/>
-              <a:t>paths and still achieve full coverage.</a:t>
+              <a:rPr lang="en-US" dirty="0" smtClean="0"/>
+              <a:t>all </a:t>
+            </a:r>
+            <a:r>
+              <a:rPr lang="en-US" dirty="0"/>
+              <a:t>alternative successors </a:t>
+            </a:r>
+            <a:r>
+              <a:rPr lang="en-US" dirty="0" smtClean="0"/>
+              <a:t>of a path are immediately resolved.</a:t>
+            </a:r>
+          </a:p>
+          <a:p>
+            <a:endParaRPr lang="en-US" dirty="0"/>
+          </a:p>
+          <a:p>
+            <a:r>
+              <a:rPr lang="en-US" dirty="0"/>
+              <a:t>Along a path, shorter and potentially simpler prefixes are </a:t>
+            </a:r>
+            <a:r>
+              <a:rPr lang="en-US" dirty="0" smtClean="0"/>
+              <a:t>resolved before </a:t>
+            </a:r>
+            <a:r>
+              <a:rPr lang="en-US" dirty="0"/>
+              <a:t>longer ones</a:t>
+            </a:r>
+            <a:r>
+              <a:rPr lang="en-US" dirty="0" smtClean="0"/>
+              <a:t>.</a:t>
+            </a:r>
+          </a:p>
+          <a:p>
+            <a:endParaRPr lang="en-US" dirty="0" smtClean="0"/>
+          </a:p>
+          <a:p>
+            <a:r>
+              <a:rPr lang="en-US" dirty="0" smtClean="0"/>
+              <a:t>Some </a:t>
+            </a:r>
+            <a:r>
+              <a:rPr lang="en-US" dirty="0"/>
+              <a:t>paths of the </a:t>
+            </a:r>
+            <a:r>
+              <a:rPr lang="en-US" dirty="0" smtClean="0"/>
+              <a:t>programs very </a:t>
+            </a:r>
+            <a:r>
+              <a:rPr lang="en-US" dirty="0"/>
+              <a:t>distant from the first path </a:t>
+            </a:r>
+            <a:r>
+              <a:rPr lang="en-US" dirty="0" smtClean="0"/>
+              <a:t>are resolved quickly</a:t>
+            </a:r>
+            <a:r>
+              <a:rPr lang="en-US" dirty="0"/>
+              <a:t>, allowing for potential faster initial coverage.</a:t>
             </a:r>
           </a:p>
         </p:txBody>
       </p:sp>
       <p:pic>
         <p:nvPicPr>
-          <p:cNvPr id="4" name="Picture 3" descr="Screen shot 2011-05-08 at 12.23.44 AM.png"/>
+          <p:cNvPr id="4" name="Picture 3" descr="Screen shot 2011-05-08 at 12.27.44 AM.png"/>
           <p:cNvPicPr>
             <a:picLocks noChangeAspect="1"/>
           </p:cNvPicPr>
@@ -5126,7 +5151,7 @@
           <a:blip r:embed="rId2">
             <a:extLst>
               <a:ext uri="{28A0092B-C50C-407E-A947-70E740481C1C}">
-                <a14:useLocalDpi xmlns:a14="http://schemas.microsoft.com/office/drawing/2010/main" val="0"/>
+                <a14:useLocalDpi xmlns:a14="http://schemas.microsoft.com/office/drawing/2010/main" xmlns="" val="0"/>
               </a:ext>
             </a:extLst>
           </a:blip>
@@ -5136,8 +5161,8 @@
         </p:blipFill>
         <p:spPr>
           <a:xfrm>
-            <a:off x="4478204" y="2360705"/>
-            <a:ext cx="4665796" cy="3195171"/>
+            <a:off x="5359400" y="2043206"/>
+            <a:ext cx="3530600" cy="3937000"/>
           </a:xfrm>
           <a:prstGeom prst="rect">
             <a:avLst/>
@@ -5147,7 +5172,7 @@
     </p:spTree>
     <p:extLst>
       <p:ext uri="{BB962C8B-B14F-4D97-AF65-F5344CB8AC3E}">
-        <p14:creationId xmlns:p14="http://schemas.microsoft.com/office/powerpoint/2010/main" val="286775692"/>
+        <p14:creationId xmlns:p14="http://schemas.microsoft.com/office/powerpoint/2010/main" xmlns="" val="3789920213"/>
       </p:ext>
     </p:extLst>
   </p:cSld>
@@ -5157,7 +5182,7 @@
   <p:timing>
     <p:tnLst>
       <p:par>
-        <p:cTn xmlns:p14="http://schemas.microsoft.com/office/powerpoint/2010/main" id="1" dur="indefinite" restart="never" nodeType="tmRoot"/>
+        <p:cTn id="1" dur="indefinite" restart="never" nodeType="tmRoot"/>
       </p:par>
     </p:tnLst>
   </p:timing>
@@ -5193,13 +5218,16 @@
         </p:nvSpPr>
         <p:spPr/>
         <p:txBody>
-          <a:bodyPr/>
+          <a:bodyPr>
+            <a:normAutofit fontScale="90000"/>
+          </a:bodyPr>
           <a:lstStyle/>
           <a:p>
             <a:r>
-              <a:rPr lang="en-US" dirty="0"/>
-              <a:t>Solve-First (SF) heuristic</a:t>
-            </a:r>
+              <a:rPr lang="en-US" dirty="0" smtClean="0"/>
+              <a:t>Software Fault, Error, and Failure</a:t>
+            </a:r>
+            <a:endParaRPr lang="en-US" dirty="0"/>
           </a:p>
         </p:txBody>
       </p:sp>
@@ -5213,117 +5241,68 @@
             <p:ph idx="1"/>
           </p:nvPr>
         </p:nvSpPr>
-        <p:spPr>
-          <a:xfrm>
-            <a:off x="457200" y="1775191"/>
-            <a:ext cx="5145741" cy="4625609"/>
-          </a:xfrm>
-        </p:spPr>
+        <p:spPr/>
         <p:txBody>
           <a:bodyPr>
-            <a:normAutofit fontScale="85000" lnSpcReduction="10000"/>
+            <a:normAutofit fontScale="92500" lnSpcReduction="20000"/>
           </a:bodyPr>
           <a:lstStyle/>
           <a:p>
             <a:r>
+              <a:rPr lang="en-US" dirty="0"/>
+              <a:t>A software fault (also called bug) refers to a static defect in the software. </a:t>
+            </a:r>
+            <a:endParaRPr lang="en-US" dirty="0" smtClean="0"/>
+          </a:p>
+          <a:p>
+            <a:endParaRPr lang="en-US" dirty="0" smtClean="0"/>
+          </a:p>
+          <a:p>
+            <a:r>
               <a:rPr lang="en-US" dirty="0" smtClean="0"/>
-              <a:t>all </a:t>
+              <a:t>A software </a:t>
             </a:r>
             <a:r>
               <a:rPr lang="en-US" dirty="0"/>
-              <a:t>alternative successors </a:t>
-            </a:r>
+              <a:t>fault may result in an incorrect internal state, which is referred to as software error. </a:t>
+            </a:r>
+            <a:endParaRPr lang="en-US" dirty="0" smtClean="0"/>
+          </a:p>
+          <a:p>
+            <a:endParaRPr lang="en-US" dirty="0" smtClean="0"/>
+          </a:p>
+          <a:p>
             <a:r>
               <a:rPr lang="en-US" dirty="0" smtClean="0"/>
-              <a:t>of a path are immediately resolved.</a:t>
-            </a:r>
-          </a:p>
-          <a:p>
-            <a:endParaRPr lang="en-US" dirty="0"/>
-          </a:p>
-          <a:p>
+              <a:t>If </a:t>
+            </a:r>
             <a:r>
               <a:rPr lang="en-US" dirty="0"/>
-              <a:t>Along a path, shorter and potentially simpler prefixes are </a:t>
+              <a:t>the software </a:t>
             </a:r>
             <a:r>
               <a:rPr lang="en-US" dirty="0" smtClean="0"/>
-              <a:t>resolved before </a:t>
+              <a:t>error is propagated </a:t>
             </a:r>
             <a:r>
               <a:rPr lang="en-US" dirty="0"/>
-              <a:t>longer ones</a:t>
+              <a:t>to the output of the software, and results in incorrect behaviors with respect to the requirements or </a:t>
             </a:r>
             <a:r>
               <a:rPr lang="en-US" dirty="0" smtClean="0"/>
-              <a:t>.</a:t>
-            </a:r>
-          </a:p>
-          <a:p>
-            <a:endParaRPr lang="en-US" dirty="0" smtClean="0"/>
-          </a:p>
-          <a:p>
-            <a:r>
-              <a:rPr lang="en-US" dirty="0" smtClean="0"/>
-              <a:t>Some </a:t>
+              <a:t>other description </a:t>
             </a:r>
             <a:r>
               <a:rPr lang="en-US" dirty="0"/>
-              <a:t>paths of the </a:t>
-            </a:r>
-            <a:r>
-              <a:rPr lang="en-US" dirty="0" smtClean="0"/>
-              <a:t>programs very </a:t>
-            </a:r>
-            <a:r>
-              <a:rPr lang="en-US" dirty="0"/>
-              <a:t>distant from the first path </a:t>
-            </a:r>
-            <a:r>
-              <a:rPr lang="en-US" dirty="0" smtClean="0"/>
-              <a:t>are resolved quickly</a:t>
-            </a:r>
-            <a:r>
-              <a:rPr lang="en-US" dirty="0"/>
-              <a:t>, allowing for potential faster initial coverage.</a:t>
-            </a:r>
-          </a:p>
-        </p:txBody>
-      </p:sp>
-      <p:pic>
-        <p:nvPicPr>
-          <p:cNvPr id="4" name="Picture 3" descr="Screen shot 2011-05-08 at 12.27.44 AM.png"/>
-          <p:cNvPicPr>
-            <a:picLocks noChangeAspect="1"/>
-          </p:cNvPicPr>
-          <p:nvPr/>
-        </p:nvPicPr>
-        <p:blipFill>
-          <a:blip r:embed="rId2">
-            <a:extLst>
-              <a:ext uri="{28A0092B-C50C-407E-A947-70E740481C1C}">
-                <a14:useLocalDpi xmlns:a14="http://schemas.microsoft.com/office/drawing/2010/main" val="0"/>
-              </a:ext>
-            </a:extLst>
-          </a:blip>
-          <a:stretch>
-            <a:fillRect/>
-          </a:stretch>
-        </p:blipFill>
-        <p:spPr>
-          <a:xfrm>
-            <a:off x="5359400" y="2043206"/>
-            <a:ext cx="3530600" cy="3937000"/>
-          </a:xfrm>
-          <a:prstGeom prst="rect">
-            <a:avLst/>
-          </a:prstGeom>
-        </p:spPr>
-      </p:pic>
+              <a:t>of the expected behavior, a software failure occurs</a:t>
+            </a:r>
+          </a:p>
+        </p:txBody>
+      </p:sp>
     </p:spTree>
     <p:extLst>
       <p:ext uri="{BB962C8B-B14F-4D97-AF65-F5344CB8AC3E}">
-        <p14:creationId xmlns:p14="http://schemas.microsoft.com/office/powerpoint/2010/main" val="3789920213"/>
+        <p14:creationId xmlns:p14="http://schemas.microsoft.com/office/powerpoint/2010/main" xmlns="" val="1922991473"/>
       </p:ext>
     </p:extLst>
   </p:cSld>
@@ -5333,7 +5312,7 @@
   <p:timing>
     <p:tnLst>
       <p:par>
-        <p:cTn xmlns:p14="http://schemas.microsoft.com/office/powerpoint/2010/main" id="1" dur="indefinite" restart="never" nodeType="tmRoot"/>
+        <p:cTn id="1" dur="indefinite" restart="never" nodeType="tmRoot"/>
       </p:par>
     </p:tnLst>
   </p:timing>
@@ -5369,14 +5348,12 @@
         </p:nvSpPr>
         <p:spPr/>
         <p:txBody>
-          <a:bodyPr>
-            <a:normAutofit fontScale="90000"/>
-          </a:bodyPr>
+          <a:bodyPr/>
           <a:lstStyle/>
           <a:p>
             <a:r>
               <a:rPr lang="en-US" dirty="0" smtClean="0"/>
-              <a:t>Software Fault, Error, and Failure</a:t>
+              <a:t>Fault Detection</a:t>
             </a:r>
             <a:endParaRPr lang="en-US" dirty="0"/>
           </a:p>
@@ -5394,66 +5371,82 @@
         </p:nvSpPr>
         <p:spPr/>
         <p:txBody>
-          <a:bodyPr>
-            <a:normAutofit fontScale="92500" lnSpcReduction="20000"/>
-          </a:bodyPr>
+          <a:bodyPr/>
           <a:lstStyle/>
           <a:p>
             <a:r>
+              <a:rPr lang="en-US" dirty="0" smtClean="0"/>
+              <a:t>Detect faults in program is a difficult task</a:t>
+            </a:r>
+          </a:p>
+          <a:p>
+            <a:pPr lvl="1"/>
+            <a:r>
+              <a:rPr lang="en-US" dirty="0" smtClean="0"/>
+              <a:t>software complexity and size grows quickly</a:t>
+            </a:r>
+          </a:p>
+          <a:p>
+            <a:pPr lvl="1"/>
+            <a:r>
+              <a:rPr lang="en-US" dirty="0" smtClean="0"/>
+              <a:t>concurrent faults depends on thread interleaving</a:t>
+            </a:r>
+          </a:p>
+          <a:p>
+            <a:pPr lvl="1"/>
+            <a:r>
+              <a:rPr lang="en-US" dirty="0" smtClean="0"/>
+              <a:t>semantic faults is program specific</a:t>
+            </a:r>
+          </a:p>
+          <a:p>
+            <a:pPr lvl="2"/>
+            <a:r>
+              <a:rPr lang="en-US" dirty="0" smtClean="0"/>
+              <a:t>missing </a:t>
+            </a:r>
+            <a:r>
               <a:rPr lang="en-US" dirty="0"/>
-              <a:t>A software fault (also called bug) refers to a static defect in the software. </a:t>
-            </a:r>
-            <a:endParaRPr lang="en-US" dirty="0" smtClean="0"/>
-          </a:p>
-          <a:p>
-            <a:endParaRPr lang="en-US" dirty="0" smtClean="0"/>
-          </a:p>
-          <a:p>
+              <a:t>the reassignment of some </a:t>
+            </a:r>
             <a:r>
               <a:rPr lang="en-US" dirty="0" smtClean="0"/>
-              <a:t>A software </a:t>
+              <a:t>variables</a:t>
+            </a:r>
+          </a:p>
+          <a:p>
+            <a:pPr lvl="2"/>
+            <a:r>
+              <a:rPr lang="en-US" dirty="0" smtClean="0"/>
+              <a:t>incorrectly </a:t>
             </a:r>
             <a:r>
               <a:rPr lang="en-US" dirty="0"/>
-              <a:t>fault may result in an incorrect internal state, which is referred to as software error. </a:t>
-            </a:r>
-            <a:endParaRPr lang="en-US" dirty="0" smtClean="0"/>
-          </a:p>
-          <a:p>
-            <a:endParaRPr lang="en-US" dirty="0" smtClean="0"/>
-          </a:p>
-          <a:p>
+              <a:t>reuse some </a:t>
+            </a:r>
             <a:r>
               <a:rPr lang="en-US" dirty="0" smtClean="0"/>
-              <a:t>If </a:t>
-            </a:r>
-            <a:r>
-              <a:rPr lang="en-US" dirty="0"/>
-              <a:t>the software </a:t>
-            </a:r>
+              <a:t>variables</a:t>
+            </a:r>
+          </a:p>
+          <a:p>
+            <a:pPr lvl="2"/>
+            <a:endParaRPr lang="en-US" dirty="0"/>
+          </a:p>
+          <a:p>
             <a:r>
               <a:rPr lang="en-US" dirty="0" smtClean="0"/>
-              <a:t>error is propagated </a:t>
-            </a:r>
-            <a:r>
-              <a:rPr lang="en-US" dirty="0"/>
-              <a:t>to the output of the software, and results in incorrect behaviors with respect to the requirements or </a:t>
-            </a:r>
-            <a:r>
-              <a:rPr lang="en-US" dirty="0" smtClean="0"/>
-              <a:t>other description </a:t>
-            </a:r>
-            <a:r>
-              <a:rPr lang="en-US" dirty="0"/>
-              <a:t>of the expected behavior, a software failure occurs</a:t>
-            </a:r>
+              <a:t>There is a strong need in automate such task</a:t>
+            </a:r>
+            <a:endParaRPr lang="en-US" dirty="0"/>
           </a:p>
         </p:txBody>
       </p:sp>
     </p:spTree>
     <p:extLst>
       <p:ext uri="{BB962C8B-B14F-4D97-AF65-F5344CB8AC3E}">
-        <p14:creationId xmlns:p14="http://schemas.microsoft.com/office/powerpoint/2010/main" val="1922991473"/>
+        <p14:creationId xmlns:p14="http://schemas.microsoft.com/office/powerpoint/2010/main" xmlns="" val="1227867049"/>
       </p:ext>
     </p:extLst>
   </p:cSld>
@@ -5463,7 +5456,7 @@
   <p:timing>
     <p:tnLst>
       <p:par>
-        <p:cTn xmlns:p14="http://schemas.microsoft.com/office/powerpoint/2010/main" id="1" dur="indefinite" restart="never" nodeType="tmRoot"/>
+        <p:cTn id="1" dur="indefinite" restart="never" nodeType="tmRoot"/>
       </p:par>
     </p:tnLst>
   </p:timing>
@@ -5499,12 +5492,14 @@
         </p:nvSpPr>
         <p:spPr/>
         <p:txBody>
-          <a:bodyPr/>
+          <a:bodyPr>
+            <a:normAutofit fontScale="90000"/>
+          </a:bodyPr>
           <a:lstStyle/>
           <a:p>
             <a:r>
               <a:rPr lang="en-US" dirty="0" smtClean="0"/>
-              <a:t>Fault Detection</a:t>
+              <a:t>Automatically Identify Faults Using Definition-Use Invariants</a:t>
             </a:r>
             <a:endParaRPr lang="en-US" dirty="0"/>
           </a:p>
@@ -5522,73 +5517,46 @@
         </p:nvSpPr>
         <p:spPr/>
         <p:txBody>
-          <a:bodyPr/>
+          <a:bodyPr>
+            <a:normAutofit/>
+          </a:bodyPr>
           <a:lstStyle/>
           <a:p>
             <a:r>
               <a:rPr lang="en-US" dirty="0" smtClean="0"/>
-              <a:t>Detect faults in program is a difficult task</a:t>
+              <a:t>Regardless of the causes of all these faults, they all share a common characteristics </a:t>
+            </a:r>
+            <a:r>
+              <a:rPr lang="en-US" b="1" i="1" dirty="0" smtClean="0"/>
+              <a:t>incorrect data flow</a:t>
             </a:r>
           </a:p>
           <a:p>
             <a:pPr lvl="1"/>
             <a:r>
+              <a:rPr lang="en-US" dirty="0"/>
+              <a:t>a read instruction uses the value from an unexpected </a:t>
+            </a:r>
+            <a:r>
               <a:rPr lang="en-US" dirty="0" smtClean="0"/>
-              <a:t>software complexity and size grows quickly</a:t>
-            </a:r>
-          </a:p>
-          <a:p>
-            <a:pPr lvl="1"/>
+              <a:t>definition</a:t>
+            </a:r>
+          </a:p>
+          <a:p>
+            <a:endParaRPr lang="en-US" dirty="0"/>
+          </a:p>
+          <a:p>
             <a:r>
               <a:rPr lang="en-US" dirty="0" smtClean="0"/>
-              <a:t>concurrent faults depends on thread interleaving</a:t>
-            </a:r>
-          </a:p>
-          <a:p>
-            <a:pPr lvl="1"/>
+              <a:t>Automatically detect faults by detecting such </a:t>
+            </a:r>
+            <a:r>
+              <a:rPr lang="en-US" dirty="0"/>
+              <a:t>incorrect definition-use data </a:t>
+            </a:r>
             <a:r>
               <a:rPr lang="en-US" dirty="0" smtClean="0"/>
-              <a:t>semantic faults is program specific</a:t>
-            </a:r>
-          </a:p>
-          <a:p>
-            <a:pPr lvl="2"/>
-            <a:r>
-              <a:rPr lang="en-US" dirty="0" smtClean="0"/>
-              <a:t>missing </a:t>
-            </a:r>
-            <a:r>
-              <a:rPr lang="en-US" dirty="0"/>
-              <a:t>the reassignment of some </a:t>
-            </a:r>
-            <a:r>
-              <a:rPr lang="en-US" dirty="0" smtClean="0"/>
-              <a:t>variables</a:t>
-            </a:r>
-          </a:p>
-          <a:p>
-            <a:pPr lvl="2"/>
-            <a:r>
-              <a:rPr lang="en-US" dirty="0" smtClean="0"/>
-              <a:t>incorrectly </a:t>
-            </a:r>
-            <a:r>
-              <a:rPr lang="en-US" dirty="0"/>
-              <a:t>reuse some </a:t>
-            </a:r>
-            <a:r>
-              <a:rPr lang="en-US" dirty="0" smtClean="0"/>
-              <a:t>variables</a:t>
-            </a:r>
-          </a:p>
-          <a:p>
-            <a:pPr lvl="2"/>
-            <a:endParaRPr lang="en-US" dirty="0"/>
-          </a:p>
-          <a:p>
-            <a:r>
-              <a:rPr lang="en-US" dirty="0" smtClean="0"/>
-              <a:t>There is a strong need in automate such task</a:t>
+              <a:t>flow</a:t>
             </a:r>
             <a:endParaRPr lang="en-US" dirty="0"/>
           </a:p>
@@ -5597,7 +5565,7 @@
     </p:spTree>
     <p:extLst>
       <p:ext uri="{BB962C8B-B14F-4D97-AF65-F5344CB8AC3E}">
-        <p14:creationId xmlns:p14="http://schemas.microsoft.com/office/powerpoint/2010/main" val="1227867049"/>
+        <p14:creationId xmlns:p14="http://schemas.microsoft.com/office/powerpoint/2010/main" xmlns="" val="2754320599"/>
       </p:ext>
     </p:extLst>
   </p:cSld>
@@ -5607,7 +5575,7 @@
   <p:timing>
     <p:tnLst>
       <p:par>
-        <p:cTn xmlns:p14="http://schemas.microsoft.com/office/powerpoint/2010/main" id="1" dur="indefinite" restart="never" nodeType="tmRoot"/>
+        <p:cTn id="1" dur="indefinite" restart="never" nodeType="tmRoot"/>
       </p:par>
     </p:tnLst>
   </p:timing>
@@ -5643,125 +5611,6 @@
         </p:nvSpPr>
         <p:spPr/>
         <p:txBody>
-          <a:bodyPr>
-            <a:normAutofit fontScale="90000"/>
-          </a:bodyPr>
-          <a:lstStyle/>
-          <a:p>
-            <a:r>
-              <a:rPr lang="en-US" dirty="0" smtClean="0"/>
-              <a:t>Automatically Identify Faults Using Definition-Use Invariants</a:t>
-            </a:r>
-            <a:endParaRPr lang="en-US" dirty="0"/>
-          </a:p>
-        </p:txBody>
-      </p:sp>
-      <p:sp>
-        <p:nvSpPr>
-          <p:cNvPr id="3" name="Content Placeholder 2"/>
-          <p:cNvSpPr>
-            <a:spLocks noGrp="1"/>
-          </p:cNvSpPr>
-          <p:nvPr>
-            <p:ph idx="1"/>
-          </p:nvPr>
-        </p:nvSpPr>
-        <p:spPr/>
-        <p:txBody>
-          <a:bodyPr>
-            <a:normAutofit/>
-          </a:bodyPr>
-          <a:lstStyle/>
-          <a:p>
-            <a:r>
-              <a:rPr lang="en-US" dirty="0" smtClean="0"/>
-              <a:t>Regardless of the causes of all these faults, they all share a common characteristics </a:t>
-            </a:r>
-            <a:r>
-              <a:rPr lang="en-US" b="1" i="1" dirty="0" smtClean="0"/>
-              <a:t>incorrect data flow</a:t>
-            </a:r>
-          </a:p>
-          <a:p>
-            <a:pPr lvl="1"/>
-            <a:r>
-              <a:rPr lang="en-US" dirty="0"/>
-              <a:t>a read instruction uses the value from an unexpected </a:t>
-            </a:r>
-            <a:r>
-              <a:rPr lang="en-US" dirty="0" smtClean="0"/>
-              <a:t>definition</a:t>
-            </a:r>
-          </a:p>
-          <a:p>
-            <a:endParaRPr lang="en-US" dirty="0"/>
-          </a:p>
-          <a:p>
-            <a:r>
-              <a:rPr lang="en-US" dirty="0" smtClean="0"/>
-              <a:t>Automatically detect faults by detecting such </a:t>
-            </a:r>
-            <a:r>
-              <a:rPr lang="en-US" dirty="0"/>
-              <a:t>incorrect definition-use data </a:t>
-            </a:r>
-            <a:r>
-              <a:rPr lang="en-US" dirty="0" smtClean="0"/>
-              <a:t>flow</a:t>
-            </a:r>
-            <a:endParaRPr lang="en-US" dirty="0"/>
-          </a:p>
-        </p:txBody>
-      </p:sp>
-    </p:spTree>
-    <p:extLst>
-      <p:ext uri="{BB962C8B-B14F-4D97-AF65-F5344CB8AC3E}">
-        <p14:creationId xmlns:p14="http://schemas.microsoft.com/office/powerpoint/2010/main" val="2754320599"/>
-      </p:ext>
-    </p:extLst>
-  </p:cSld>
-  <p:clrMapOvr>
-    <a:masterClrMapping/>
-  </p:clrMapOvr>
-  <p:timing>
-    <p:tnLst>
-      <p:par>
-        <p:cTn xmlns:p14="http://schemas.microsoft.com/office/powerpoint/2010/main" id="1" dur="indefinite" restart="never" nodeType="tmRoot"/>
-      </p:par>
-    </p:tnLst>
-  </p:timing>
-</p:sld>
-</file>
-
-<file path=ppt/slides/slide16.xml><?xml version="1.0" encoding="utf-8"?>
-<p:sld xmlns:a="http://schemas.openxmlformats.org/drawingml/2006/main" xmlns:r="http://schemas.openxmlformats.org/officeDocument/2006/relationships" xmlns:p="http://schemas.openxmlformats.org/presentationml/2006/main">
-  <p:cSld>
-    <p:spTree>
-      <p:nvGrpSpPr>
-        <p:cNvPr id="1" name=""/>
-        <p:cNvGrpSpPr/>
-        <p:nvPr/>
-      </p:nvGrpSpPr>
-      <p:grpSpPr>
-        <a:xfrm>
-          <a:off x="0" y="0"/>
-          <a:ext cx="0" cy="0"/>
-          <a:chOff x="0" y="0"/>
-          <a:chExt cx="0" cy="0"/>
-        </a:xfrm>
-      </p:grpSpPr>
-      <p:sp>
-        <p:nvSpPr>
-          <p:cNvPr id="2" name="Title 1"/>
-          <p:cNvSpPr>
-            <a:spLocks noGrp="1"/>
-          </p:cNvSpPr>
-          <p:nvPr>
-            <p:ph type="title"/>
-          </p:nvPr>
-        </p:nvSpPr>
-        <p:spPr/>
-        <p:txBody>
           <a:bodyPr/>
           <a:lstStyle/>
           <a:p>
@@ -5849,7 +5698,7 @@
           <a:blip r:embed="rId2">
             <a:extLst>
               <a:ext uri="{28A0092B-C50C-407E-A947-70E740481C1C}">
-                <a14:useLocalDpi xmlns:a14="http://schemas.microsoft.com/office/drawing/2010/main" val="0"/>
+                <a14:useLocalDpi xmlns:a14="http://schemas.microsoft.com/office/drawing/2010/main" xmlns="" val="0"/>
               </a:ext>
             </a:extLst>
           </a:blip>
@@ -5879,7 +5728,7 @@
           <a:blip r:embed="rId3">
             <a:extLst>
               <a:ext uri="{28A0092B-C50C-407E-A947-70E740481C1C}">
-                <a14:useLocalDpi xmlns:a14="http://schemas.microsoft.com/office/drawing/2010/main" val="0"/>
+                <a14:useLocalDpi xmlns:a14="http://schemas.microsoft.com/office/drawing/2010/main" xmlns="" val="0"/>
               </a:ext>
             </a:extLst>
           </a:blip>
@@ -5900,7 +5749,7 @@
     </p:spTree>
     <p:extLst>
       <p:ext uri="{BB962C8B-B14F-4D97-AF65-F5344CB8AC3E}">
-        <p14:creationId xmlns:p14="http://schemas.microsoft.com/office/powerpoint/2010/main" val="174680262"/>
+        <p14:creationId xmlns:p14="http://schemas.microsoft.com/office/powerpoint/2010/main" xmlns="" val="174680262"/>
       </p:ext>
     </p:extLst>
   </p:cSld>
@@ -5910,7 +5759,145 @@
   <p:timing>
     <p:tnLst>
       <p:par>
-        <p:cTn xmlns:p14="http://schemas.microsoft.com/office/powerpoint/2010/main" id="1" dur="indefinite" restart="never" nodeType="tmRoot"/>
+        <p:cTn id="1" dur="indefinite" restart="never" nodeType="tmRoot"/>
+      </p:par>
+    </p:tnLst>
+  </p:timing>
+</p:sld>
+</file>
+
+<file path=ppt/slides/slide16.xml><?xml version="1.0" encoding="utf-8"?>
+<p:sld xmlns:a="http://schemas.openxmlformats.org/drawingml/2006/main" xmlns:r="http://schemas.openxmlformats.org/officeDocument/2006/relationships" xmlns:p="http://schemas.openxmlformats.org/presentationml/2006/main">
+  <p:cSld>
+    <p:spTree>
+      <p:nvGrpSpPr>
+        <p:cNvPr id="1" name=""/>
+        <p:cNvGrpSpPr/>
+        <p:nvPr/>
+      </p:nvGrpSpPr>
+      <p:grpSpPr>
+        <a:xfrm>
+          <a:off x="0" y="0"/>
+          <a:ext cx="0" cy="0"/>
+          <a:chOff x="0" y="0"/>
+          <a:chExt cx="0" cy="0"/>
+        </a:xfrm>
+      </p:grpSpPr>
+      <p:sp>
+        <p:nvSpPr>
+          <p:cNvPr id="2" name="Title 1"/>
+          <p:cNvSpPr>
+            <a:spLocks noGrp="1"/>
+          </p:cNvSpPr>
+          <p:nvPr>
+            <p:ph type="title"/>
+          </p:nvPr>
+        </p:nvSpPr>
+        <p:spPr/>
+        <p:txBody>
+          <a:bodyPr/>
+          <a:lstStyle/>
+          <a:p>
+            <a:r>
+              <a:rPr lang="cs-CZ" dirty="0" err="1" smtClean="0"/>
+              <a:t>Definition</a:t>
+            </a:r>
+            <a:r>
+              <a:rPr lang="cs-CZ" dirty="0"/>
+              <a:t>-Use </a:t>
+            </a:r>
+            <a:r>
+              <a:rPr lang="cs-CZ" dirty="0" err="1" smtClean="0"/>
+              <a:t>Invariants</a:t>
+            </a:r>
+            <a:r>
+              <a:rPr lang="cs-CZ" dirty="0" smtClean="0"/>
+              <a:t> - 2</a:t>
+            </a:r>
+            <a:endParaRPr lang="en-US" dirty="0"/>
+          </a:p>
+        </p:txBody>
+      </p:sp>
+      <p:sp>
+        <p:nvSpPr>
+          <p:cNvPr id="3" name="Content Placeholder 2"/>
+          <p:cNvSpPr>
+            <a:spLocks noGrp="1"/>
+          </p:cNvSpPr>
+          <p:nvPr>
+            <p:ph idx="1"/>
+          </p:nvPr>
+        </p:nvSpPr>
+        <p:spPr>
+          <a:xfrm>
+            <a:off x="457200" y="1775191"/>
+            <a:ext cx="4368800" cy="4625609"/>
+          </a:xfrm>
+        </p:spPr>
+        <p:txBody>
+          <a:bodyPr/>
+          <a:lstStyle/>
+          <a:p>
+            <a:r>
+              <a:rPr lang="en-US" dirty="0" smtClean="0"/>
+              <a:t>Definition Set (</a:t>
+            </a:r>
+            <a:r>
+              <a:rPr lang="en-US" dirty="0" err="1" smtClean="0"/>
+              <a:t>DSet</a:t>
+            </a:r>
+            <a:r>
+              <a:rPr lang="en-US" dirty="0" smtClean="0"/>
+              <a:t>) Invariants</a:t>
+            </a:r>
+            <a:endParaRPr lang="en-US" dirty="0"/>
+          </a:p>
+        </p:txBody>
+      </p:sp>
+      <p:pic>
+        <p:nvPicPr>
+          <p:cNvPr id="6" name="Picture 5" descr="Screen shot 2011-05-08 at 12.52.14 AM.png"/>
+          <p:cNvPicPr>
+            <a:picLocks noChangeAspect="1"/>
+          </p:cNvPicPr>
+          <p:nvPr/>
+        </p:nvPicPr>
+        <p:blipFill>
+          <a:blip r:embed="rId2">
+            <a:extLst>
+              <a:ext uri="{28A0092B-C50C-407E-A947-70E740481C1C}">
+                <a14:useLocalDpi xmlns:a14="http://schemas.microsoft.com/office/drawing/2010/main" xmlns="" val="0"/>
+              </a:ext>
+            </a:extLst>
+          </a:blip>
+          <a:stretch>
+            <a:fillRect/>
+          </a:stretch>
+        </p:blipFill>
+        <p:spPr>
+          <a:xfrm>
+            <a:off x="5156200" y="1775191"/>
+            <a:ext cx="3530600" cy="2692400"/>
+          </a:xfrm>
+          <a:prstGeom prst="rect">
+            <a:avLst/>
+          </a:prstGeom>
+        </p:spPr>
+      </p:pic>
+    </p:spTree>
+    <p:extLst>
+      <p:ext uri="{BB962C8B-B14F-4D97-AF65-F5344CB8AC3E}">
+        <p14:creationId xmlns:p14="http://schemas.microsoft.com/office/powerpoint/2010/main" xmlns="" val="1108694366"/>
+      </p:ext>
+    </p:extLst>
+  </p:cSld>
+  <p:clrMapOvr>
+    <a:masterClrMapping/>
+  </p:clrMapOvr>
+  <p:timing>
+    <p:tnLst>
+      <p:par>
+        <p:cTn id="1" dur="indefinite" restart="never" nodeType="tmRoot"/>
       </p:par>
     </p:tnLst>
   </p:timing>
@@ -5950,56 +5937,8 @@
           <a:lstStyle/>
           <a:p>
             <a:r>
-              <a:rPr lang="cs-CZ" dirty="0" err="1" smtClean="0"/>
-              <a:t>Definition</a:t>
-            </a:r>
-            <a:r>
-              <a:rPr lang="cs-CZ" dirty="0"/>
-              <a:t>-Use </a:t>
-            </a:r>
-            <a:r>
-              <a:rPr lang="cs-CZ" dirty="0" err="1" smtClean="0"/>
-              <a:t>Invariants</a:t>
-            </a:r>
-            <a:r>
-              <a:rPr lang="cs-CZ" dirty="0" smtClean="0"/>
-              <a:t> - 2</a:t>
-            </a:r>
-            <a:endParaRPr lang="en-US" dirty="0"/>
-          </a:p>
-        </p:txBody>
-      </p:sp>
-      <p:sp>
-        <p:nvSpPr>
-          <p:cNvPr id="3" name="Content Placeholder 2"/>
-          <p:cNvSpPr>
-            <a:spLocks noGrp="1"/>
-          </p:cNvSpPr>
-          <p:nvPr>
-            <p:ph idx="1"/>
-          </p:nvPr>
-        </p:nvSpPr>
-        <p:spPr>
-          <a:xfrm>
-            <a:off x="457200" y="1775191"/>
-            <a:ext cx="4368800" cy="4625609"/>
-          </a:xfrm>
-        </p:spPr>
-        <p:txBody>
-          <a:bodyPr/>
-          <a:lstStyle/>
-          <a:p>
-            <a:r>
               <a:rPr lang="en-US" dirty="0" smtClean="0"/>
-              <a:t>Definition Set (</a:t>
-            </a:r>
-            <a:r>
-              <a:rPr lang="en-US" dirty="0" err="1" smtClean="0"/>
-              <a:t>DSet</a:t>
-            </a:r>
-            <a:r>
-              <a:rPr lang="en-US" dirty="0" smtClean="0"/>
-              <a:t>) Invariants</a:t>
+              <a:t>Overview of Approach</a:t>
             </a:r>
             <a:endParaRPr lang="en-US" dirty="0"/>
           </a:p>
@@ -6007,7 +5946,7 @@
       </p:sp>
       <p:pic>
         <p:nvPicPr>
-          <p:cNvPr id="6" name="Picture 5" descr="Screen shot 2011-05-08 at 12.52.14 AM.png"/>
+          <p:cNvPr id="4" name="Picture 3" descr="Screen shot 2011-05-08 at 12.55.31 AM.png"/>
           <p:cNvPicPr>
             <a:picLocks noChangeAspect="1"/>
           </p:cNvPicPr>
@@ -6017,7 +5956,7 @@
           <a:blip r:embed="rId2">
             <a:extLst>
               <a:ext uri="{28A0092B-C50C-407E-A947-70E740481C1C}">
-                <a14:useLocalDpi xmlns:a14="http://schemas.microsoft.com/office/drawing/2010/main" val="0"/>
+                <a14:useLocalDpi xmlns:a14="http://schemas.microsoft.com/office/drawing/2010/main" xmlns="" val="0"/>
               </a:ext>
             </a:extLst>
           </a:blip>
@@ -6027,8 +5966,8 @@
         </p:blipFill>
         <p:spPr>
           <a:xfrm>
-            <a:off x="5156200" y="1775191"/>
-            <a:ext cx="3530600" cy="2692400"/>
+            <a:off x="329453" y="2288989"/>
+            <a:ext cx="8267700" cy="2997200"/>
           </a:xfrm>
           <a:prstGeom prst="rect">
             <a:avLst/>
@@ -6038,7 +5977,7 @@
     </p:spTree>
     <p:extLst>
       <p:ext uri="{BB962C8B-B14F-4D97-AF65-F5344CB8AC3E}">
-        <p14:creationId xmlns:p14="http://schemas.microsoft.com/office/powerpoint/2010/main" val="1108694366"/>
+        <p14:creationId xmlns:p14="http://schemas.microsoft.com/office/powerpoint/2010/main" xmlns="" val="3311314385"/>
       </p:ext>
     </p:extLst>
   </p:cSld>
@@ -6048,7 +5987,7 @@
   <p:timing>
     <p:tnLst>
       <p:par>
-        <p:cTn xmlns:p14="http://schemas.microsoft.com/office/powerpoint/2010/main" id="1" dur="indefinite" restart="never" nodeType="tmRoot"/>
+        <p:cTn id="1" dur="indefinite" restart="never" nodeType="tmRoot"/>
       </p:par>
     </p:tnLst>
   </p:timing>
@@ -6089,46 +6028,61 @@
           <a:p>
             <a:r>
               <a:rPr lang="en-US" dirty="0" smtClean="0"/>
-              <a:t>Overview of Approach</a:t>
+              <a:t>AI in Software Repair</a:t>
             </a:r>
             <a:endParaRPr lang="en-US" dirty="0"/>
           </a:p>
         </p:txBody>
       </p:sp>
-      <p:pic>
-        <p:nvPicPr>
-          <p:cNvPr id="4" name="Picture 3" descr="Screen shot 2011-05-08 at 12.55.31 AM.png"/>
-          <p:cNvPicPr>
-            <a:picLocks noChangeAspect="1"/>
-          </p:cNvPicPr>
-          <p:nvPr/>
-        </p:nvPicPr>
-        <p:blipFill>
-          <a:blip r:embed="rId2">
-            <a:extLst>
-              <a:ext uri="{28A0092B-C50C-407E-A947-70E740481C1C}">
-                <a14:useLocalDpi xmlns:a14="http://schemas.microsoft.com/office/drawing/2010/main" val="0"/>
-              </a:ext>
-            </a:extLst>
-          </a:blip>
-          <a:stretch>
-            <a:fillRect/>
-          </a:stretch>
-        </p:blipFill>
-        <p:spPr>
-          <a:xfrm>
-            <a:off x="329453" y="2288989"/>
-            <a:ext cx="8267700" cy="2997200"/>
-          </a:xfrm>
-          <a:prstGeom prst="rect">
-            <a:avLst/>
-          </a:prstGeom>
-        </p:spPr>
-      </p:pic>
+      <p:sp>
+        <p:nvSpPr>
+          <p:cNvPr id="3" name="Content Placeholder 2"/>
+          <p:cNvSpPr>
+            <a:spLocks noGrp="1"/>
+          </p:cNvSpPr>
+          <p:nvPr>
+            <p:ph idx="1"/>
+          </p:nvPr>
+        </p:nvSpPr>
+        <p:spPr/>
+        <p:txBody>
+          <a:bodyPr/>
+          <a:lstStyle/>
+          <a:p>
+            <a:r>
+              <a:rPr lang="en-US" dirty="0"/>
+              <a:t>Manual fault fixing is a difficult, time-consuming, labor-intensive process</a:t>
+            </a:r>
+            <a:r>
+              <a:rPr lang="en-US" dirty="0" smtClean="0"/>
+              <a:t>.</a:t>
+            </a:r>
+          </a:p>
+          <a:p>
+            <a:endParaRPr lang="en-US" dirty="0"/>
+          </a:p>
+          <a:p>
+            <a:r>
+              <a:rPr lang="en-US" dirty="0" smtClean="0"/>
+              <a:t>Automated approach is needed to reduce human efforts</a:t>
+            </a:r>
+          </a:p>
+          <a:p>
+            <a:endParaRPr lang="en-US" dirty="0"/>
+          </a:p>
+          <a:p>
+            <a:r>
+              <a:rPr lang="en-US" dirty="0" smtClean="0"/>
+              <a:t>Apply generic programming to automatically find patches for fixing programs</a:t>
+            </a:r>
+            <a:endParaRPr lang="en-US" dirty="0"/>
+          </a:p>
+        </p:txBody>
+      </p:sp>
     </p:spTree>
     <p:extLst>
       <p:ext uri="{BB962C8B-B14F-4D97-AF65-F5344CB8AC3E}">
-        <p14:creationId xmlns:p14="http://schemas.microsoft.com/office/powerpoint/2010/main" val="3311314385"/>
+        <p14:creationId xmlns:p14="http://schemas.microsoft.com/office/powerpoint/2010/main" xmlns="" val="2327304181"/>
       </p:ext>
     </p:extLst>
   </p:cSld>
@@ -6138,7 +6092,7 @@
   <p:timing>
     <p:tnLst>
       <p:par>
-        <p:cTn xmlns:p14="http://schemas.microsoft.com/office/powerpoint/2010/main" id="1" dur="indefinite" restart="never" nodeType="tmRoot"/>
+        <p:cTn id="1" dur="indefinite" restart="never" nodeType="tmRoot"/>
       </p:par>
     </p:tnLst>
   </p:timing>
@@ -6178,6 +6132,889 @@
           <a:lstStyle/>
           <a:p>
             <a:r>
+              <a:rPr lang="en-US" dirty="0" smtClean="0"/>
+              <a:t>Generic Programming (GP)</a:t>
+            </a:r>
+            <a:endParaRPr lang="en-US" dirty="0"/>
+          </a:p>
+        </p:txBody>
+      </p:sp>
+      <p:sp>
+        <p:nvSpPr>
+          <p:cNvPr id="3" name="Content Placeholder 2"/>
+          <p:cNvSpPr>
+            <a:spLocks noGrp="1"/>
+          </p:cNvSpPr>
+          <p:nvPr>
+            <p:ph idx="1"/>
+          </p:nvPr>
+        </p:nvSpPr>
+        <p:spPr/>
+        <p:txBody>
+          <a:bodyPr>
+            <a:normAutofit lnSpcReduction="10000"/>
+          </a:bodyPr>
+          <a:lstStyle/>
+          <a:p>
+            <a:r>
+              <a:rPr lang="en-US" sz="2800" dirty="0"/>
+              <a:t>GP operates on and maintains a population comprised of different </a:t>
+            </a:r>
+            <a:r>
+              <a:rPr lang="en-US" sz="2800" dirty="0" smtClean="0"/>
+              <a:t>programs</a:t>
+            </a:r>
+          </a:p>
+          <a:p>
+            <a:endParaRPr lang="en-US" sz="2800" dirty="0" smtClean="0"/>
+          </a:p>
+          <a:p>
+            <a:r>
+              <a:rPr lang="en-US" sz="2800" dirty="0"/>
+              <a:t>The fitness, </a:t>
+            </a:r>
+            <a:r>
+              <a:rPr lang="en-US" sz="2800" dirty="0" smtClean="0"/>
+              <a:t>or desirability</a:t>
+            </a:r>
+            <a:r>
+              <a:rPr lang="en-US" sz="2800" dirty="0"/>
+              <a:t>, of each chromosome, is evaluated via an external fitness function</a:t>
+            </a:r>
+            <a:r>
+              <a:rPr lang="en-US" sz="2800" dirty="0" smtClean="0"/>
+              <a:t>.</a:t>
+            </a:r>
+          </a:p>
+          <a:p>
+            <a:endParaRPr lang="en-US" sz="2800" dirty="0" smtClean="0"/>
+          </a:p>
+          <a:p>
+            <a:r>
+              <a:rPr lang="en-US" sz="2800" dirty="0"/>
+              <a:t>Variations </a:t>
+            </a:r>
+            <a:r>
+              <a:rPr lang="en-US" sz="2800" dirty="0" smtClean="0"/>
+              <a:t>are introduced </a:t>
+            </a:r>
+            <a:r>
+              <a:rPr lang="en-US" sz="2800" dirty="0"/>
+              <a:t>through </a:t>
+            </a:r>
+            <a:r>
+              <a:rPr lang="en-US" sz="2800" dirty="0" smtClean="0"/>
+              <a:t>mutation </a:t>
+            </a:r>
+            <a:r>
+              <a:rPr lang="en-US" sz="2800" dirty="0"/>
+              <a:t>and crossover. </a:t>
+            </a:r>
+            <a:endParaRPr lang="en-US" sz="2800" dirty="0" smtClean="0"/>
+          </a:p>
+          <a:p>
+            <a:endParaRPr lang="en-US" sz="2800" dirty="0" smtClean="0"/>
+          </a:p>
+          <a:p>
+            <a:r>
+              <a:rPr lang="en-US" sz="2800" dirty="0" smtClean="0"/>
+              <a:t>These </a:t>
+            </a:r>
+            <a:r>
+              <a:rPr lang="en-US" sz="2800" dirty="0"/>
+              <a:t>operations create </a:t>
+            </a:r>
+            <a:r>
+              <a:rPr lang="en-US" sz="2800" dirty="0" smtClean="0"/>
+              <a:t>a new </a:t>
+            </a:r>
+            <a:r>
+              <a:rPr lang="en-US" sz="2800" dirty="0"/>
+              <a:t>generation and the cycle repeats.</a:t>
+            </a:r>
+          </a:p>
+        </p:txBody>
+      </p:sp>
+    </p:spTree>
+    <p:extLst>
+      <p:ext uri="{BB962C8B-B14F-4D97-AF65-F5344CB8AC3E}">
+        <p14:creationId xmlns:p14="http://schemas.microsoft.com/office/powerpoint/2010/main" xmlns="" val="869944294"/>
+      </p:ext>
+    </p:extLst>
+  </p:cSld>
+  <p:clrMapOvr>
+    <a:masterClrMapping/>
+  </p:clrMapOvr>
+  <p:timing>
+    <p:tnLst>
+      <p:par>
+        <p:cTn id="1" dur="indefinite" restart="never" nodeType="tmRoot"/>
+      </p:par>
+    </p:tnLst>
+  </p:timing>
+</p:sld>
+</file>
+
+<file path=ppt/slides/slide2.xml><?xml version="1.0" encoding="utf-8"?>
+<p:sld xmlns:a="http://schemas.openxmlformats.org/drawingml/2006/main" xmlns:r="http://schemas.openxmlformats.org/officeDocument/2006/relationships" xmlns:p="http://schemas.openxmlformats.org/presentationml/2006/main">
+  <p:cSld>
+    <p:spTree>
+      <p:nvGrpSpPr>
+        <p:cNvPr id="1" name=""/>
+        <p:cNvGrpSpPr/>
+        <p:nvPr/>
+      </p:nvGrpSpPr>
+      <p:grpSpPr>
+        <a:xfrm>
+          <a:off x="0" y="0"/>
+          <a:ext cx="0" cy="0"/>
+          <a:chOff x="0" y="0"/>
+          <a:chExt cx="0" cy="0"/>
+        </a:xfrm>
+      </p:grpSpPr>
+      <p:sp>
+        <p:nvSpPr>
+          <p:cNvPr id="2" name="Title 1"/>
+          <p:cNvSpPr>
+            <a:spLocks noGrp="1"/>
+          </p:cNvSpPr>
+          <p:nvPr>
+            <p:ph type="title"/>
+          </p:nvPr>
+        </p:nvSpPr>
+        <p:spPr/>
+        <p:txBody>
+          <a:bodyPr/>
+          <a:lstStyle/>
+          <a:p>
+            <a:r>
+              <a:rPr lang="en-US" dirty="0" smtClean="0"/>
+              <a:t>Software Engineering (SE)</a:t>
+            </a:r>
+            <a:endParaRPr lang="en-US" dirty="0"/>
+          </a:p>
+        </p:txBody>
+      </p:sp>
+      <p:sp>
+        <p:nvSpPr>
+          <p:cNvPr id="5" name="Content Placeholder 4"/>
+          <p:cNvSpPr>
+            <a:spLocks noGrp="1"/>
+          </p:cNvSpPr>
+          <p:nvPr>
+            <p:ph idx="1"/>
+          </p:nvPr>
+        </p:nvSpPr>
+        <p:spPr/>
+        <p:txBody>
+          <a:bodyPr>
+            <a:normAutofit fontScale="92500" lnSpcReduction="20000"/>
+          </a:bodyPr>
+          <a:lstStyle/>
+          <a:p>
+            <a:r>
+              <a:rPr lang="en-US" dirty="0"/>
+              <a:t>Software Engineering </a:t>
+            </a:r>
+            <a:r>
+              <a:rPr lang="en-US" dirty="0" smtClean="0"/>
+              <a:t>(SE) is </a:t>
+            </a:r>
+            <a:r>
+              <a:rPr lang="en-US" dirty="0"/>
+              <a:t>a knowledge-intensive activity, presumably requiring </a:t>
+            </a:r>
+            <a:r>
+              <a:rPr lang="en-US" dirty="0" smtClean="0"/>
+              <a:t>intelligence</a:t>
+            </a:r>
+          </a:p>
+          <a:p>
+            <a:pPr lvl="1"/>
+            <a:r>
+              <a:rPr lang="en-US" dirty="0" smtClean="0"/>
+              <a:t>Software Testing</a:t>
+            </a:r>
+          </a:p>
+          <a:p>
+            <a:pPr lvl="1"/>
+            <a:r>
+              <a:rPr lang="en-US" dirty="0" smtClean="0"/>
+              <a:t>Program Analysis</a:t>
+            </a:r>
+          </a:p>
+          <a:p>
+            <a:pPr lvl="1"/>
+            <a:r>
+              <a:rPr lang="en-US" dirty="0" smtClean="0"/>
+              <a:t>Debugging</a:t>
+            </a:r>
+          </a:p>
+          <a:p>
+            <a:pPr lvl="1"/>
+            <a:endParaRPr lang="en-US" dirty="0" smtClean="0"/>
+          </a:p>
+          <a:p>
+            <a:r>
+              <a:rPr lang="en-US" dirty="0" smtClean="0"/>
+              <a:t>Artificial Intelligence (AI) techniques are used to reduce human efforts in SE activities</a:t>
+            </a:r>
+          </a:p>
+          <a:p>
+            <a:pPr lvl="1"/>
+            <a:r>
+              <a:rPr lang="en-US" dirty="0" smtClean="0"/>
+              <a:t>assist </a:t>
+            </a:r>
+            <a:r>
+              <a:rPr lang="en-US" dirty="0"/>
+              <a:t>or automate various activities of software engineering 	</a:t>
+            </a:r>
+          </a:p>
+        </p:txBody>
+      </p:sp>
+    </p:spTree>
+    <p:extLst>
+      <p:ext uri="{BB962C8B-B14F-4D97-AF65-F5344CB8AC3E}">
+        <p14:creationId xmlns:p14="http://schemas.microsoft.com/office/powerpoint/2010/main" xmlns="" val="1444001611"/>
+      </p:ext>
+    </p:extLst>
+  </p:cSld>
+  <p:clrMapOvr>
+    <a:masterClrMapping/>
+  </p:clrMapOvr>
+  <p:timing>
+    <p:tnLst>
+      <p:par>
+        <p:cTn id="1" dur="indefinite" restart="never" nodeType="tmRoot"/>
+      </p:par>
+    </p:tnLst>
+  </p:timing>
+</p:sld>
+</file>
+
+<file path=ppt/slides/slide20.xml><?xml version="1.0" encoding="utf-8"?>
+<p:sld xmlns:a="http://schemas.openxmlformats.org/drawingml/2006/main" xmlns:r="http://schemas.openxmlformats.org/officeDocument/2006/relationships" xmlns:p="http://schemas.openxmlformats.org/presentationml/2006/main">
+  <p:cSld>
+    <p:spTree>
+      <p:nvGrpSpPr>
+        <p:cNvPr id="1" name=""/>
+        <p:cNvGrpSpPr/>
+        <p:nvPr/>
+      </p:nvGrpSpPr>
+      <p:grpSpPr>
+        <a:xfrm>
+          <a:off x="0" y="0"/>
+          <a:ext cx="0" cy="0"/>
+          <a:chOff x="0" y="0"/>
+          <a:chExt cx="0" cy="0"/>
+        </a:xfrm>
+      </p:grpSpPr>
+      <p:sp>
+        <p:nvSpPr>
+          <p:cNvPr id="2" name="Title 1"/>
+          <p:cNvSpPr>
+            <a:spLocks noGrp="1"/>
+          </p:cNvSpPr>
+          <p:nvPr>
+            <p:ph type="title"/>
+          </p:nvPr>
+        </p:nvSpPr>
+        <p:spPr/>
+        <p:txBody>
+          <a:bodyPr/>
+          <a:lstStyle/>
+          <a:p>
+            <a:r>
+              <a:rPr lang="en-US" dirty="0" smtClean="0"/>
+              <a:t>Program Representation</a:t>
+            </a:r>
+            <a:endParaRPr lang="en-US" dirty="0"/>
+          </a:p>
+        </p:txBody>
+      </p:sp>
+      <p:sp>
+        <p:nvSpPr>
+          <p:cNvPr id="3" name="Content Placeholder 2"/>
+          <p:cNvSpPr>
+            <a:spLocks noGrp="1"/>
+          </p:cNvSpPr>
+          <p:nvPr>
+            <p:ph idx="1"/>
+          </p:nvPr>
+        </p:nvSpPr>
+        <p:spPr/>
+        <p:txBody>
+          <a:bodyPr/>
+          <a:lstStyle/>
+          <a:p>
+            <a:r>
+              <a:rPr lang="en-US" dirty="0"/>
+              <a:t>An abstract syntax tree(AST) including all of the statements in the </a:t>
+            </a:r>
+            <a:r>
+              <a:rPr lang="en-US" dirty="0" smtClean="0"/>
+              <a:t>program </a:t>
+            </a:r>
+          </a:p>
+          <a:p>
+            <a:endParaRPr lang="en-US" dirty="0"/>
+          </a:p>
+          <a:p>
+            <a:r>
+              <a:rPr lang="en-US" dirty="0" smtClean="0"/>
+              <a:t>A </a:t>
+            </a:r>
+            <a:r>
+              <a:rPr lang="en-US" dirty="0"/>
+              <a:t>weighted path through the program under test. </a:t>
+            </a:r>
+            <a:endParaRPr lang="en-US" dirty="0" smtClean="0"/>
+          </a:p>
+          <a:p>
+            <a:pPr lvl="1"/>
+            <a:r>
+              <a:rPr lang="en-US" dirty="0" smtClean="0"/>
+              <a:t>The weighted path </a:t>
+            </a:r>
+            <a:r>
+              <a:rPr lang="en-US" dirty="0"/>
+              <a:t>is a list of pairs, each pair containing a statement in the program and a weight based on that statements occurrences </a:t>
+            </a:r>
+            <a:r>
+              <a:rPr lang="en-US" dirty="0" smtClean="0"/>
+              <a:t>in various </a:t>
+            </a:r>
+            <a:r>
+              <a:rPr lang="en-US" dirty="0"/>
+              <a:t>test cases.</a:t>
+            </a:r>
+          </a:p>
+        </p:txBody>
+      </p:sp>
+    </p:spTree>
+    <p:extLst>
+      <p:ext uri="{BB962C8B-B14F-4D97-AF65-F5344CB8AC3E}">
+        <p14:creationId xmlns:p14="http://schemas.microsoft.com/office/powerpoint/2010/main" xmlns="" val="3713311294"/>
+      </p:ext>
+    </p:extLst>
+  </p:cSld>
+  <p:clrMapOvr>
+    <a:masterClrMapping/>
+  </p:clrMapOvr>
+  <p:timing>
+    <p:tnLst>
+      <p:par>
+        <p:cTn id="1" dur="indefinite" restart="never" nodeType="tmRoot"/>
+      </p:par>
+    </p:tnLst>
+  </p:timing>
+</p:sld>
+</file>
+
+<file path=ppt/slides/slide21.xml><?xml version="1.0" encoding="utf-8"?>
+<p:sld xmlns:a="http://schemas.openxmlformats.org/drawingml/2006/main" xmlns:r="http://schemas.openxmlformats.org/officeDocument/2006/relationships" xmlns:p="http://schemas.openxmlformats.org/presentationml/2006/main">
+  <p:cSld>
+    <p:spTree>
+      <p:nvGrpSpPr>
+        <p:cNvPr id="1" name=""/>
+        <p:cNvGrpSpPr/>
+        <p:nvPr/>
+      </p:nvGrpSpPr>
+      <p:grpSpPr>
+        <a:xfrm>
+          <a:off x="0" y="0"/>
+          <a:ext cx="0" cy="0"/>
+          <a:chOff x="0" y="0"/>
+          <a:chExt cx="0" cy="0"/>
+        </a:xfrm>
+      </p:grpSpPr>
+      <p:sp>
+        <p:nvSpPr>
+          <p:cNvPr id="2" name="Title 1"/>
+          <p:cNvSpPr>
+            <a:spLocks noGrp="1"/>
+          </p:cNvSpPr>
+          <p:nvPr>
+            <p:ph type="title"/>
+          </p:nvPr>
+        </p:nvSpPr>
+        <p:spPr/>
+        <p:txBody>
+          <a:bodyPr/>
+          <a:lstStyle/>
+          <a:p>
+            <a:r>
+              <a:rPr lang="en-US" dirty="0" smtClean="0"/>
+              <a:t>Key Insights</a:t>
+            </a:r>
+            <a:endParaRPr lang="en-US" dirty="0"/>
+          </a:p>
+        </p:txBody>
+      </p:sp>
+      <p:sp>
+        <p:nvSpPr>
+          <p:cNvPr id="3" name="Content Placeholder 2"/>
+          <p:cNvSpPr>
+            <a:spLocks noGrp="1"/>
+          </p:cNvSpPr>
+          <p:nvPr>
+            <p:ph idx="1"/>
+          </p:nvPr>
+        </p:nvSpPr>
+        <p:spPr/>
+        <p:txBody>
+          <a:bodyPr>
+            <a:normAutofit fontScale="92500" lnSpcReduction="20000"/>
+          </a:bodyPr>
+          <a:lstStyle/>
+          <a:p>
+            <a:r>
+              <a:rPr lang="en-US" dirty="0" smtClean="0"/>
+              <a:t>Restrict </a:t>
+            </a:r>
+            <a:r>
+              <a:rPr lang="en-US" dirty="0"/>
+              <a:t>the </a:t>
+            </a:r>
+            <a:r>
+              <a:rPr lang="en-US" dirty="0" smtClean="0"/>
+              <a:t>algorithm to </a:t>
+            </a:r>
+            <a:r>
+              <a:rPr lang="en-US" dirty="0"/>
+              <a:t>only produce changes that are based on structures in other parts of the program. </a:t>
+            </a:r>
+            <a:endParaRPr lang="en-US" dirty="0" smtClean="0"/>
+          </a:p>
+          <a:p>
+            <a:pPr lvl="1"/>
+            <a:r>
+              <a:rPr lang="en-US" dirty="0" smtClean="0"/>
+              <a:t>hypothesize </a:t>
+            </a:r>
+            <a:r>
+              <a:rPr lang="en-US" dirty="0"/>
+              <a:t>that </a:t>
+            </a:r>
+            <a:r>
+              <a:rPr lang="en-US" dirty="0" smtClean="0"/>
+              <a:t>a program </a:t>
+            </a:r>
+            <a:r>
+              <a:rPr lang="en-US" dirty="0"/>
+              <a:t>that is missing important functionality (e.g., a null check) will be able to copy and adapt it from another </a:t>
+            </a:r>
+            <a:r>
+              <a:rPr lang="en-US" dirty="0" smtClean="0"/>
+              <a:t>location in </a:t>
+            </a:r>
+            <a:r>
+              <a:rPr lang="en-US" dirty="0"/>
+              <a:t>the program. </a:t>
+            </a:r>
+            <a:endParaRPr lang="en-US" dirty="0" smtClean="0"/>
+          </a:p>
+          <a:p>
+            <a:pPr lvl="1"/>
+            <a:endParaRPr lang="en-US" dirty="0" smtClean="0"/>
+          </a:p>
+          <a:p>
+            <a:r>
+              <a:rPr lang="en-US" dirty="0" smtClean="0"/>
+              <a:t>Constrain </a:t>
+            </a:r>
+            <a:r>
+              <a:rPr lang="en-US" dirty="0"/>
+              <a:t>the genetic operations of mutation and crossover to operate only on the region of </a:t>
+            </a:r>
+            <a:r>
+              <a:rPr lang="en-US" dirty="0" smtClean="0"/>
+              <a:t>the program </a:t>
+            </a:r>
+            <a:r>
+              <a:rPr lang="en-US" dirty="0"/>
+              <a:t>that is relevant to the error </a:t>
+            </a:r>
+            <a:endParaRPr lang="en-US" dirty="0" smtClean="0"/>
+          </a:p>
+          <a:p>
+            <a:pPr lvl="1"/>
+            <a:r>
+              <a:rPr lang="en-US" dirty="0" smtClean="0"/>
+              <a:t>the </a:t>
+            </a:r>
+            <a:r>
+              <a:rPr lang="en-US" dirty="0"/>
+              <a:t>portions of the program that were on the execution path that produced </a:t>
+            </a:r>
+            <a:r>
+              <a:rPr lang="en-US" dirty="0" smtClean="0"/>
+              <a:t>the error</a:t>
+            </a:r>
+            <a:endParaRPr lang="en-US" dirty="0"/>
+          </a:p>
+        </p:txBody>
+      </p:sp>
+    </p:spTree>
+    <p:extLst>
+      <p:ext uri="{BB962C8B-B14F-4D97-AF65-F5344CB8AC3E}">
+        <p14:creationId xmlns:p14="http://schemas.microsoft.com/office/powerpoint/2010/main" xmlns="" val="873981880"/>
+      </p:ext>
+    </p:extLst>
+  </p:cSld>
+  <p:clrMapOvr>
+    <a:masterClrMapping/>
+  </p:clrMapOvr>
+  <p:timing>
+    <p:tnLst>
+      <p:par>
+        <p:cTn id="1" dur="indefinite" restart="never" nodeType="tmRoot"/>
+      </p:par>
+    </p:tnLst>
+  </p:timing>
+</p:sld>
+</file>
+
+<file path=ppt/slides/slide22.xml><?xml version="1.0" encoding="utf-8"?>
+<p:sld xmlns:a="http://schemas.openxmlformats.org/drawingml/2006/main" xmlns:r="http://schemas.openxmlformats.org/officeDocument/2006/relationships" xmlns:p="http://schemas.openxmlformats.org/presentationml/2006/main">
+  <p:cSld>
+    <p:spTree>
+      <p:nvGrpSpPr>
+        <p:cNvPr id="1" name=""/>
+        <p:cNvGrpSpPr/>
+        <p:nvPr/>
+      </p:nvGrpSpPr>
+      <p:grpSpPr>
+        <a:xfrm>
+          <a:off x="0" y="0"/>
+          <a:ext cx="0" cy="0"/>
+          <a:chOff x="0" y="0"/>
+          <a:chExt cx="0" cy="0"/>
+        </a:xfrm>
+      </p:grpSpPr>
+      <p:sp>
+        <p:nvSpPr>
+          <p:cNvPr id="2" name="Title 1"/>
+          <p:cNvSpPr>
+            <a:spLocks noGrp="1"/>
+          </p:cNvSpPr>
+          <p:nvPr>
+            <p:ph type="title"/>
+          </p:nvPr>
+        </p:nvSpPr>
+        <p:spPr/>
+        <p:txBody>
+          <a:bodyPr/>
+          <a:lstStyle/>
+          <a:p>
+            <a:r>
+              <a:rPr lang="en-US" dirty="0" smtClean="0"/>
+              <a:t>Approach using GP</a:t>
+            </a:r>
+            <a:endParaRPr lang="en-US" dirty="0"/>
+          </a:p>
+        </p:txBody>
+      </p:sp>
+      <p:sp>
+        <p:nvSpPr>
+          <p:cNvPr id="3" name="Content Placeholder 2"/>
+          <p:cNvSpPr>
+            <a:spLocks noGrp="1"/>
+          </p:cNvSpPr>
+          <p:nvPr>
+            <p:ph idx="1"/>
+          </p:nvPr>
+        </p:nvSpPr>
+        <p:spPr/>
+        <p:txBody>
+          <a:bodyPr>
+            <a:normAutofit fontScale="92500" lnSpcReduction="20000"/>
+          </a:bodyPr>
+          <a:lstStyle/>
+          <a:p>
+            <a:r>
+              <a:rPr lang="en-US" dirty="0" smtClean="0"/>
+              <a:t>Use GP </a:t>
+            </a:r>
+            <a:r>
+              <a:rPr lang="en-US" dirty="0"/>
+              <a:t>to maintain a population of variants of </a:t>
+            </a:r>
+            <a:r>
+              <a:rPr lang="en-US" dirty="0" smtClean="0"/>
+              <a:t>a program </a:t>
+            </a:r>
+          </a:p>
+          <a:p>
+            <a:endParaRPr lang="en-US" dirty="0" smtClean="0"/>
+          </a:p>
+          <a:p>
+            <a:r>
+              <a:rPr lang="en-US" dirty="0" smtClean="0"/>
+              <a:t>Modifies </a:t>
+            </a:r>
+            <a:r>
+              <a:rPr lang="en-US" dirty="0"/>
+              <a:t>variants using two genetic algorithm operations, </a:t>
+            </a:r>
+            <a:r>
+              <a:rPr lang="en-US" b="1" i="1" dirty="0"/>
+              <a:t>crossover</a:t>
+            </a:r>
+            <a:r>
+              <a:rPr lang="en-US" dirty="0"/>
+              <a:t> and </a:t>
+            </a:r>
+            <a:r>
+              <a:rPr lang="en-US" b="1" i="1" dirty="0" smtClean="0"/>
+              <a:t>mutation</a:t>
+            </a:r>
+          </a:p>
+          <a:p>
+            <a:endParaRPr lang="en-US" dirty="0" smtClean="0"/>
+          </a:p>
+          <a:p>
+            <a:r>
+              <a:rPr lang="en-US" dirty="0" smtClean="0"/>
+              <a:t>Evaluates </a:t>
+            </a:r>
+            <a:r>
+              <a:rPr lang="en-US" dirty="0"/>
+              <a:t>the </a:t>
+            </a:r>
+            <a:r>
+              <a:rPr lang="en-US" dirty="0" smtClean="0"/>
+              <a:t>fitness of </a:t>
+            </a:r>
+            <a:r>
+              <a:rPr lang="en-US" dirty="0"/>
+              <a:t>each variant </a:t>
+            </a:r>
+          </a:p>
+          <a:p>
+            <a:pPr lvl="1"/>
+            <a:r>
+              <a:rPr lang="en-US" dirty="0" smtClean="0"/>
+              <a:t>a </a:t>
+            </a:r>
+            <a:r>
+              <a:rPr lang="en-US" dirty="0"/>
+              <a:t>weighted sum </a:t>
+            </a:r>
+            <a:r>
+              <a:rPr lang="en-US" dirty="0" smtClean="0"/>
+              <a:t>of the </a:t>
+            </a:r>
+            <a:r>
+              <a:rPr lang="en-US" dirty="0"/>
+              <a:t>positive and negative test cases it passes</a:t>
+            </a:r>
+            <a:r>
+              <a:rPr lang="en-US" dirty="0" smtClean="0"/>
+              <a:t>.</a:t>
+            </a:r>
+          </a:p>
+          <a:p>
+            <a:pPr lvl="1"/>
+            <a:endParaRPr lang="en-US" dirty="0" smtClean="0"/>
+          </a:p>
+          <a:p>
+            <a:r>
+              <a:rPr lang="en-US" dirty="0"/>
+              <a:t>Their approach stops when a program variant that passes all of the test cases </a:t>
+            </a:r>
+            <a:r>
+              <a:rPr lang="en-US" dirty="0" smtClean="0"/>
+              <a:t>is found</a:t>
+            </a:r>
+            <a:r>
+              <a:rPr lang="en-US" dirty="0"/>
+              <a:t>.</a:t>
+            </a:r>
+          </a:p>
+        </p:txBody>
+      </p:sp>
+    </p:spTree>
+    <p:extLst>
+      <p:ext uri="{BB962C8B-B14F-4D97-AF65-F5344CB8AC3E}">
+        <p14:creationId xmlns:p14="http://schemas.microsoft.com/office/powerpoint/2010/main" xmlns="" val="3809004208"/>
+      </p:ext>
+    </p:extLst>
+  </p:cSld>
+  <p:clrMapOvr>
+    <a:masterClrMapping/>
+  </p:clrMapOvr>
+  <p:timing>
+    <p:tnLst>
+      <p:par>
+        <p:cTn id="1" dur="indefinite" restart="never" nodeType="tmRoot"/>
+      </p:par>
+    </p:tnLst>
+  </p:timing>
+</p:sld>
+</file>
+
+<file path=ppt/slides/slide23.xml><?xml version="1.0" encoding="utf-8"?>
+<p:sld xmlns:a="http://schemas.openxmlformats.org/drawingml/2006/main" xmlns:r="http://schemas.openxmlformats.org/officeDocument/2006/relationships" xmlns:p="http://schemas.openxmlformats.org/presentationml/2006/main">
+  <p:cSld>
+    <p:spTree>
+      <p:nvGrpSpPr>
+        <p:cNvPr id="1" name=""/>
+        <p:cNvGrpSpPr/>
+        <p:nvPr/>
+      </p:nvGrpSpPr>
+      <p:grpSpPr>
+        <a:xfrm>
+          <a:off x="0" y="0"/>
+          <a:ext cx="0" cy="0"/>
+          <a:chOff x="0" y="0"/>
+          <a:chExt cx="0" cy="0"/>
+        </a:xfrm>
+      </p:grpSpPr>
+      <p:sp>
+        <p:nvSpPr>
+          <p:cNvPr id="2" name="Title 1"/>
+          <p:cNvSpPr>
+            <a:spLocks noGrp="1"/>
+          </p:cNvSpPr>
+          <p:nvPr>
+            <p:ph type="title"/>
+          </p:nvPr>
+        </p:nvSpPr>
+        <p:spPr/>
+        <p:txBody>
+          <a:bodyPr>
+            <a:normAutofit/>
+          </a:bodyPr>
+          <a:lstStyle/>
+          <a:p>
+            <a:r>
+              <a:rPr lang="en-US" dirty="0" smtClean="0"/>
+              <a:t>Conclusion and Questions</a:t>
+            </a:r>
+            <a:endParaRPr lang="en-US" dirty="0"/>
+          </a:p>
+        </p:txBody>
+      </p:sp>
+      <p:sp>
+        <p:nvSpPr>
+          <p:cNvPr id="3" name="Content Placeholder 2"/>
+          <p:cNvSpPr>
+            <a:spLocks noGrp="1"/>
+          </p:cNvSpPr>
+          <p:nvPr>
+            <p:ph idx="1"/>
+          </p:nvPr>
+        </p:nvSpPr>
+        <p:spPr/>
+        <p:txBody>
+          <a:bodyPr>
+            <a:normAutofit lnSpcReduction="10000"/>
+          </a:bodyPr>
+          <a:lstStyle/>
+          <a:p>
+            <a:r>
+              <a:rPr lang="en-US" dirty="0" smtClean="0"/>
+              <a:t>AI in software testing</a:t>
+            </a:r>
+          </a:p>
+          <a:p>
+            <a:pPr lvl="1"/>
+            <a:r>
+              <a:rPr lang="en-US" dirty="0" smtClean="0"/>
+              <a:t>prune search space for automatic test generation</a:t>
+            </a:r>
+          </a:p>
+          <a:p>
+            <a:pPr lvl="1"/>
+            <a:endParaRPr lang="en-US" dirty="0"/>
+          </a:p>
+          <a:p>
+            <a:r>
+              <a:rPr lang="en-US" dirty="0" smtClean="0"/>
+              <a:t>AI in fault detection</a:t>
+            </a:r>
+          </a:p>
+          <a:p>
+            <a:pPr lvl="1"/>
+            <a:r>
+              <a:rPr lang="en-US" dirty="0" smtClean="0"/>
+              <a:t>apply machine learning on data-flow analysis for fault detection</a:t>
+            </a:r>
+          </a:p>
+          <a:p>
+            <a:endParaRPr lang="en-US" dirty="0"/>
+          </a:p>
+          <a:p>
+            <a:r>
+              <a:rPr lang="en-US" dirty="0" smtClean="0"/>
+              <a:t>AI in software repair</a:t>
+            </a:r>
+          </a:p>
+          <a:p>
+            <a:pPr lvl="1"/>
+            <a:r>
+              <a:rPr lang="en-US" dirty="0" smtClean="0"/>
+              <a:t>apply generic programming to automatically find patches for programs</a:t>
+            </a:r>
+            <a:endParaRPr lang="en-US" dirty="0"/>
+          </a:p>
+        </p:txBody>
+      </p:sp>
+    </p:spTree>
+    <p:extLst>
+      <p:ext uri="{BB962C8B-B14F-4D97-AF65-F5344CB8AC3E}">
+        <p14:creationId xmlns:p14="http://schemas.microsoft.com/office/powerpoint/2010/main" xmlns="" val="3811900393"/>
+      </p:ext>
+    </p:extLst>
+  </p:cSld>
+  <p:clrMapOvr>
+    <a:masterClrMapping/>
+  </p:clrMapOvr>
+  <p:timing>
+    <p:tnLst>
+      <p:par>
+        <p:cTn id="1" dur="indefinite" restart="never" nodeType="tmRoot"/>
+      </p:par>
+    </p:tnLst>
+  </p:timing>
+</p:sld>
+</file>
+
+<file path=ppt/slides/slide24.xml><?xml version="1.0" encoding="utf-8"?>
+<p:sld xmlns:a="http://schemas.openxmlformats.org/drawingml/2006/main" xmlns:r="http://schemas.openxmlformats.org/officeDocument/2006/relationships" xmlns:p="http://schemas.openxmlformats.org/presentationml/2006/main">
+  <p:cSld>
+    <p:spTree>
+      <p:nvGrpSpPr>
+        <p:cNvPr id="1" name=""/>
+        <p:cNvGrpSpPr/>
+        <p:nvPr/>
+      </p:nvGrpSpPr>
+      <p:grpSpPr>
+        <a:xfrm>
+          <a:off x="0" y="0"/>
+          <a:ext cx="0" cy="0"/>
+          <a:chOff x="0" y="0"/>
+          <a:chExt cx="0" cy="0"/>
+        </a:xfrm>
+      </p:grpSpPr>
+      <p:sp>
+        <p:nvSpPr>
+          <p:cNvPr id="2" name="Title 1"/>
+          <p:cNvSpPr>
+            <a:spLocks noGrp="1"/>
+          </p:cNvSpPr>
+          <p:nvPr>
+            <p:ph type="title"/>
+          </p:nvPr>
+        </p:nvSpPr>
+        <p:spPr/>
+        <p:txBody>
+          <a:bodyPr/>
+          <a:lstStyle/>
+          <a:p>
+            <a:r>
               <a:rPr lang="en-US" dirty="0"/>
               <a:t>Invariant Extraction</a:t>
             </a:r>
@@ -6269,7 +7106,7 @@
           <a:blip r:embed="rId2">
             <a:extLst>
               <a:ext uri="{28A0092B-C50C-407E-A947-70E740481C1C}">
-                <a14:useLocalDpi xmlns:a14="http://schemas.microsoft.com/office/drawing/2010/main" val="0"/>
+                <a14:useLocalDpi xmlns:a14="http://schemas.microsoft.com/office/drawing/2010/main" xmlns="" val="0"/>
               </a:ext>
             </a:extLst>
           </a:blip>
@@ -6299,7 +7136,7 @@
           <a:blip r:embed="rId3">
             <a:extLst>
               <a:ext uri="{28A0092B-C50C-407E-A947-70E740481C1C}">
-                <a14:useLocalDpi xmlns:a14="http://schemas.microsoft.com/office/drawing/2010/main" val="0"/>
+                <a14:useLocalDpi xmlns:a14="http://schemas.microsoft.com/office/drawing/2010/main" xmlns="" val="0"/>
               </a:ext>
             </a:extLst>
           </a:blip>
@@ -6329,7 +7166,7 @@
           <a:blip r:embed="rId4">
             <a:extLst>
               <a:ext uri="{28A0092B-C50C-407E-A947-70E740481C1C}">
-                <a14:useLocalDpi xmlns:a14="http://schemas.microsoft.com/office/drawing/2010/main" val="0"/>
+                <a14:useLocalDpi xmlns:a14="http://schemas.microsoft.com/office/drawing/2010/main" xmlns="" val="0"/>
               </a:ext>
             </a:extLst>
           </a:blip>
@@ -6350,7 +7187,7 @@
     </p:spTree>
     <p:extLst>
       <p:ext uri="{BB962C8B-B14F-4D97-AF65-F5344CB8AC3E}">
-        <p14:creationId xmlns:p14="http://schemas.microsoft.com/office/powerpoint/2010/main" val="1302793881"/>
+        <p14:creationId xmlns:p14="http://schemas.microsoft.com/office/powerpoint/2010/main" xmlns="" val="1302793881"/>
       </p:ext>
     </p:extLst>
   </p:cSld>
@@ -6360,14 +7197,14 @@
   <p:timing>
     <p:tnLst>
       <p:par>
-        <p:cTn xmlns:p14="http://schemas.microsoft.com/office/powerpoint/2010/main" id="1" dur="indefinite" restart="never" nodeType="tmRoot"/>
+        <p:cTn id="1" dur="indefinite" restart="never" nodeType="tmRoot"/>
       </p:par>
     </p:tnLst>
   </p:timing>
 </p:sld>
 </file>
 
-<file path=ppt/slides/slide2.xml><?xml version="1.0" encoding="utf-8"?>
+<file path=ppt/slides/slide25.xml><?xml version="1.0" encoding="utf-8"?>
 <p:sld xmlns:a="http://schemas.openxmlformats.org/drawingml/2006/main" xmlns:r="http://schemas.openxmlformats.org/officeDocument/2006/relationships" xmlns:p="http://schemas.openxmlformats.org/presentationml/2006/main">
   <p:cSld>
     <p:spTree>
@@ -6401,144 +7238,6 @@
           <a:p>
             <a:r>
               <a:rPr lang="en-US" dirty="0" smtClean="0"/>
-              <a:t>Software Engineering (SE)</a:t>
-            </a:r>
-            <a:endParaRPr lang="en-US" dirty="0"/>
-          </a:p>
-        </p:txBody>
-      </p:sp>
-      <p:sp>
-        <p:nvSpPr>
-          <p:cNvPr id="5" name="Content Placeholder 4"/>
-          <p:cNvSpPr>
-            <a:spLocks noGrp="1"/>
-          </p:cNvSpPr>
-          <p:nvPr>
-            <p:ph idx="1"/>
-          </p:nvPr>
-        </p:nvSpPr>
-        <p:spPr/>
-        <p:txBody>
-          <a:bodyPr>
-            <a:normAutofit fontScale="92500" lnSpcReduction="20000"/>
-          </a:bodyPr>
-          <a:lstStyle/>
-          <a:p>
-            <a:r>
-              <a:rPr lang="en-US" dirty="0"/>
-              <a:t>Software Engineering </a:t>
-            </a:r>
-            <a:r>
-              <a:rPr lang="en-US" dirty="0" smtClean="0"/>
-              <a:t>(SE) is </a:t>
-            </a:r>
-            <a:r>
-              <a:rPr lang="en-US" dirty="0"/>
-              <a:t>a knowledge-intensive activity, presumably requiring </a:t>
-            </a:r>
-            <a:r>
-              <a:rPr lang="en-US" dirty="0" smtClean="0"/>
-              <a:t>intelligence</a:t>
-            </a:r>
-          </a:p>
-          <a:p>
-            <a:pPr lvl="1"/>
-            <a:r>
-              <a:rPr lang="en-US" dirty="0" smtClean="0"/>
-              <a:t>Software Testing</a:t>
-            </a:r>
-          </a:p>
-          <a:p>
-            <a:pPr lvl="1"/>
-            <a:r>
-              <a:rPr lang="en-US" dirty="0" smtClean="0"/>
-              <a:t>Program Analysis</a:t>
-            </a:r>
-          </a:p>
-          <a:p>
-            <a:pPr lvl="1"/>
-            <a:r>
-              <a:rPr lang="en-US" dirty="0" smtClean="0"/>
-              <a:t>Debugging</a:t>
-            </a:r>
-          </a:p>
-          <a:p>
-            <a:pPr lvl="1"/>
-            <a:endParaRPr lang="en-US" dirty="0" smtClean="0"/>
-          </a:p>
-          <a:p>
-            <a:r>
-              <a:rPr lang="en-US" dirty="0" smtClean="0"/>
-              <a:t>Artificial Intelligence (AI) techniques are used to reduce human efforts in SE activities</a:t>
-            </a:r>
-          </a:p>
-          <a:p>
-            <a:pPr lvl="1"/>
-            <a:r>
-              <a:rPr lang="en-US" dirty="0" smtClean="0"/>
-              <a:t>assist </a:t>
-            </a:r>
-            <a:r>
-              <a:rPr lang="en-US" dirty="0"/>
-              <a:t>or automate various activities of software engineering 	</a:t>
-            </a:r>
-          </a:p>
-        </p:txBody>
-      </p:sp>
-    </p:spTree>
-    <p:extLst>
-      <p:ext uri="{BB962C8B-B14F-4D97-AF65-F5344CB8AC3E}">
-        <p14:creationId xmlns:p14="http://schemas.microsoft.com/office/powerpoint/2010/main" val="1444001611"/>
-      </p:ext>
-    </p:extLst>
-  </p:cSld>
-  <p:clrMapOvr>
-    <a:masterClrMapping/>
-  </p:clrMapOvr>
-  <p:timing>
-    <p:tnLst>
-      <p:par>
-        <p:cTn xmlns:p14="http://schemas.microsoft.com/office/powerpoint/2010/main" id="1" dur="indefinite" restart="never" nodeType="tmRoot"/>
-      </p:par>
-    </p:tnLst>
-  </p:timing>
-</p:sld>
-</file>
-
-<file path=ppt/slides/slide20.xml><?xml version="1.0" encoding="utf-8"?>
-<p:sld xmlns:a="http://schemas.openxmlformats.org/drawingml/2006/main" xmlns:r="http://schemas.openxmlformats.org/officeDocument/2006/relationships" xmlns:p="http://schemas.openxmlformats.org/presentationml/2006/main">
-  <p:cSld>
-    <p:spTree>
-      <p:nvGrpSpPr>
-        <p:cNvPr id="1" name=""/>
-        <p:cNvGrpSpPr/>
-        <p:nvPr/>
-      </p:nvGrpSpPr>
-      <p:grpSpPr>
-        <a:xfrm>
-          <a:off x="0" y="0"/>
-          <a:ext cx="0" cy="0"/>
-          <a:chOff x="0" y="0"/>
-          <a:chExt cx="0" cy="0"/>
-        </a:xfrm>
-      </p:grpSpPr>
-      <p:sp>
-        <p:nvSpPr>
-          <p:cNvPr id="2" name="Title 1"/>
-          <p:cNvSpPr>
-            <a:spLocks noGrp="1"/>
-          </p:cNvSpPr>
-          <p:nvPr>
-            <p:ph type="title"/>
-          </p:nvPr>
-        </p:nvSpPr>
-        <p:spPr/>
-        <p:txBody>
-          <a:bodyPr/>
-          <a:lstStyle/>
-          <a:p>
-            <a:r>
-              <a:rPr lang="en-US" dirty="0" smtClean="0"/>
               <a:t>Fault Detection</a:t>
             </a:r>
             <a:endParaRPr lang="en-US" dirty="0"/>
@@ -6613,7 +7312,7 @@
           <a:blip r:embed="rId2">
             <a:extLst>
               <a:ext uri="{28A0092B-C50C-407E-A947-70E740481C1C}">
-                <a14:useLocalDpi xmlns:a14="http://schemas.microsoft.com/office/drawing/2010/main" val="0"/>
+                <a14:useLocalDpi xmlns:a14="http://schemas.microsoft.com/office/drawing/2010/main" xmlns="" val="0"/>
               </a:ext>
             </a:extLst>
           </a:blip>
@@ -6643,7 +7342,7 @@
           <a:blip r:embed="rId3">
             <a:extLst>
               <a:ext uri="{28A0092B-C50C-407E-A947-70E740481C1C}">
-                <a14:useLocalDpi xmlns:a14="http://schemas.microsoft.com/office/drawing/2010/main" val="0"/>
+                <a14:useLocalDpi xmlns:a14="http://schemas.microsoft.com/office/drawing/2010/main" xmlns="" val="0"/>
               </a:ext>
             </a:extLst>
           </a:blip>
@@ -6673,7 +7372,7 @@
           <a:blip r:embed="rId4">
             <a:extLst>
               <a:ext uri="{28A0092B-C50C-407E-A947-70E740481C1C}">
-                <a14:useLocalDpi xmlns:a14="http://schemas.microsoft.com/office/drawing/2010/main" val="0"/>
+                <a14:useLocalDpi xmlns:a14="http://schemas.microsoft.com/office/drawing/2010/main" xmlns="" val="0"/>
               </a:ext>
             </a:extLst>
           </a:blip>
@@ -6703,7 +7402,7 @@
           <a:blip r:embed="rId5">
             <a:extLst>
               <a:ext uri="{28A0092B-C50C-407E-A947-70E740481C1C}">
-                <a14:useLocalDpi xmlns:a14="http://schemas.microsoft.com/office/drawing/2010/main" val="0"/>
+                <a14:useLocalDpi xmlns:a14="http://schemas.microsoft.com/office/drawing/2010/main" xmlns="" val="0"/>
               </a:ext>
             </a:extLst>
           </a:blip>
@@ -6724,7 +7423,7 @@
     </p:spTree>
     <p:extLst>
       <p:ext uri="{BB962C8B-B14F-4D97-AF65-F5344CB8AC3E}">
-        <p14:creationId xmlns:p14="http://schemas.microsoft.com/office/powerpoint/2010/main" val="2174852875"/>
+        <p14:creationId xmlns:p14="http://schemas.microsoft.com/office/powerpoint/2010/main" xmlns="" val="2174852875"/>
       </p:ext>
     </p:extLst>
   </p:cSld>
@@ -6734,14 +7433,14 @@
   <p:timing>
     <p:tnLst>
       <p:par>
-        <p:cTn xmlns:p14="http://schemas.microsoft.com/office/powerpoint/2010/main" id="1" dur="indefinite" restart="never" nodeType="tmRoot"/>
+        <p:cTn id="1" dur="indefinite" restart="never" nodeType="tmRoot"/>
       </p:par>
     </p:tnLst>
   </p:timing>
 </p:sld>
 </file>
 
-<file path=ppt/slides/slide21.xml><?xml version="1.0" encoding="utf-8"?>
+<file path=ppt/slides/slide26.xml><?xml version="1.0" encoding="utf-8"?>
 <p:sld xmlns:a="http://schemas.openxmlformats.org/drawingml/2006/main" xmlns:r="http://schemas.openxmlformats.org/officeDocument/2006/relationships" xmlns:p="http://schemas.openxmlformats.org/presentationml/2006/main">
   <p:cSld>
     <p:spTree>
@@ -6770,7 +7469,7 @@
           <a:blip r:embed="rId2">
             <a:extLst>
               <a:ext uri="{28A0092B-C50C-407E-A947-70E740481C1C}">
-                <a14:useLocalDpi xmlns:a14="http://schemas.microsoft.com/office/drawing/2010/main" val="0"/>
+                <a14:useLocalDpi xmlns:a14="http://schemas.microsoft.com/office/drawing/2010/main" xmlns="" val="0"/>
               </a:ext>
             </a:extLst>
           </a:blip>
@@ -6800,7 +7499,7 @@
           <a:blip r:embed="rId3">
             <a:extLst>
               <a:ext uri="{28A0092B-C50C-407E-A947-70E740481C1C}">
-                <a14:useLocalDpi xmlns:a14="http://schemas.microsoft.com/office/drawing/2010/main" val="0"/>
+                <a14:useLocalDpi xmlns:a14="http://schemas.microsoft.com/office/drawing/2010/main" xmlns="" val="0"/>
               </a:ext>
             </a:extLst>
           </a:blip>
@@ -6900,7 +7599,7 @@
     </p:spTree>
     <p:extLst>
       <p:ext uri="{BB962C8B-B14F-4D97-AF65-F5344CB8AC3E}">
-        <p14:creationId xmlns:p14="http://schemas.microsoft.com/office/powerpoint/2010/main" val="227627395"/>
+        <p14:creationId xmlns:p14="http://schemas.microsoft.com/office/powerpoint/2010/main" xmlns="" val="227627395"/>
       </p:ext>
     </p:extLst>
   </p:cSld>
@@ -6910,730 +7609,7 @@
   <p:timing>
     <p:tnLst>
       <p:par>
-        <p:cTn xmlns:p14="http://schemas.microsoft.com/office/powerpoint/2010/main" id="1" dur="indefinite" restart="never" nodeType="tmRoot"/>
-      </p:par>
-    </p:tnLst>
-  </p:timing>
-</p:sld>
-</file>
-
-<file path=ppt/slides/slide22.xml><?xml version="1.0" encoding="utf-8"?>
-<p:sld xmlns:a="http://schemas.openxmlformats.org/drawingml/2006/main" xmlns:r="http://schemas.openxmlformats.org/officeDocument/2006/relationships" xmlns:p="http://schemas.openxmlformats.org/presentationml/2006/main">
-  <p:cSld>
-    <p:spTree>
-      <p:nvGrpSpPr>
-        <p:cNvPr id="1" name=""/>
-        <p:cNvGrpSpPr/>
-        <p:nvPr/>
-      </p:nvGrpSpPr>
-      <p:grpSpPr>
-        <a:xfrm>
-          <a:off x="0" y="0"/>
-          <a:ext cx="0" cy="0"/>
-          <a:chOff x="0" y="0"/>
-          <a:chExt cx="0" cy="0"/>
-        </a:xfrm>
-      </p:grpSpPr>
-      <p:sp>
-        <p:nvSpPr>
-          <p:cNvPr id="2" name="Title 1"/>
-          <p:cNvSpPr>
-            <a:spLocks noGrp="1"/>
-          </p:cNvSpPr>
-          <p:nvPr>
-            <p:ph type="title"/>
-          </p:nvPr>
-        </p:nvSpPr>
-        <p:spPr/>
-        <p:txBody>
-          <a:bodyPr/>
-          <a:lstStyle/>
-          <a:p>
-            <a:r>
-              <a:rPr lang="en-US" dirty="0" smtClean="0"/>
-              <a:t>AI in Software Repair</a:t>
-            </a:r>
-            <a:endParaRPr lang="en-US" dirty="0"/>
-          </a:p>
-        </p:txBody>
-      </p:sp>
-      <p:sp>
-        <p:nvSpPr>
-          <p:cNvPr id="3" name="Content Placeholder 2"/>
-          <p:cNvSpPr>
-            <a:spLocks noGrp="1"/>
-          </p:cNvSpPr>
-          <p:nvPr>
-            <p:ph idx="1"/>
-          </p:nvPr>
-        </p:nvSpPr>
-        <p:spPr/>
-        <p:txBody>
-          <a:bodyPr/>
-          <a:lstStyle/>
-          <a:p>
-            <a:r>
-              <a:rPr lang="en-US" dirty="0"/>
-              <a:t>Manual fault fixing is a difficult, time-consuming, labor-intensive process</a:t>
-            </a:r>
-            <a:r>
-              <a:rPr lang="en-US" dirty="0" smtClean="0"/>
-              <a:t>.</a:t>
-            </a:r>
-          </a:p>
-          <a:p>
-            <a:endParaRPr lang="en-US" dirty="0"/>
-          </a:p>
-          <a:p>
-            <a:r>
-              <a:rPr lang="en-US" dirty="0" smtClean="0"/>
-              <a:t>Automated approach is needed to reduce human efforts</a:t>
-            </a:r>
-          </a:p>
-          <a:p>
-            <a:endParaRPr lang="en-US" dirty="0"/>
-          </a:p>
-          <a:p>
-            <a:r>
-              <a:rPr lang="en-US" dirty="0" smtClean="0"/>
-              <a:t>Apply generic programming to automatically find patches for fixing programs</a:t>
-            </a:r>
-            <a:endParaRPr lang="en-US" dirty="0"/>
-          </a:p>
-        </p:txBody>
-      </p:sp>
-    </p:spTree>
-    <p:extLst>
-      <p:ext uri="{BB962C8B-B14F-4D97-AF65-F5344CB8AC3E}">
-        <p14:creationId xmlns:p14="http://schemas.microsoft.com/office/powerpoint/2010/main" val="2327304181"/>
-      </p:ext>
-    </p:extLst>
-  </p:cSld>
-  <p:clrMapOvr>
-    <a:masterClrMapping/>
-  </p:clrMapOvr>
-  <p:timing>
-    <p:tnLst>
-      <p:par>
-        <p:cTn xmlns:p14="http://schemas.microsoft.com/office/powerpoint/2010/main" id="1" dur="indefinite" restart="never" nodeType="tmRoot"/>
-      </p:par>
-    </p:tnLst>
-  </p:timing>
-</p:sld>
-</file>
-
-<file path=ppt/slides/slide23.xml><?xml version="1.0" encoding="utf-8"?>
-<p:sld xmlns:a="http://schemas.openxmlformats.org/drawingml/2006/main" xmlns:r="http://schemas.openxmlformats.org/officeDocument/2006/relationships" xmlns:p="http://schemas.openxmlformats.org/presentationml/2006/main">
-  <p:cSld>
-    <p:spTree>
-      <p:nvGrpSpPr>
-        <p:cNvPr id="1" name=""/>
-        <p:cNvGrpSpPr/>
-        <p:nvPr/>
-      </p:nvGrpSpPr>
-      <p:grpSpPr>
-        <a:xfrm>
-          <a:off x="0" y="0"/>
-          <a:ext cx="0" cy="0"/>
-          <a:chOff x="0" y="0"/>
-          <a:chExt cx="0" cy="0"/>
-        </a:xfrm>
-      </p:grpSpPr>
-      <p:sp>
-        <p:nvSpPr>
-          <p:cNvPr id="2" name="Title 1"/>
-          <p:cNvSpPr>
-            <a:spLocks noGrp="1"/>
-          </p:cNvSpPr>
-          <p:nvPr>
-            <p:ph type="title"/>
-          </p:nvPr>
-        </p:nvSpPr>
-        <p:spPr/>
-        <p:txBody>
-          <a:bodyPr/>
-          <a:lstStyle/>
-          <a:p>
-            <a:r>
-              <a:rPr lang="en-US" dirty="0" smtClean="0"/>
-              <a:t>Generic Programming (GP)</a:t>
-            </a:r>
-            <a:endParaRPr lang="en-US" dirty="0"/>
-          </a:p>
-        </p:txBody>
-      </p:sp>
-      <p:sp>
-        <p:nvSpPr>
-          <p:cNvPr id="3" name="Content Placeholder 2"/>
-          <p:cNvSpPr>
-            <a:spLocks noGrp="1"/>
-          </p:cNvSpPr>
-          <p:nvPr>
-            <p:ph idx="1"/>
-          </p:nvPr>
-        </p:nvSpPr>
-        <p:spPr/>
-        <p:txBody>
-          <a:bodyPr>
-            <a:normAutofit lnSpcReduction="10000"/>
-          </a:bodyPr>
-          <a:lstStyle/>
-          <a:p>
-            <a:r>
-              <a:rPr lang="en-US" sz="2800" dirty="0"/>
-              <a:t>GP operates on and maintains a population comprised of different </a:t>
-            </a:r>
-            <a:r>
-              <a:rPr lang="en-US" sz="2800" dirty="0" smtClean="0"/>
-              <a:t>programs</a:t>
-            </a:r>
-          </a:p>
-          <a:p>
-            <a:endParaRPr lang="en-US" sz="2800" dirty="0" smtClean="0"/>
-          </a:p>
-          <a:p>
-            <a:r>
-              <a:rPr lang="en-US" sz="2800" dirty="0"/>
-              <a:t>The fitness, </a:t>
-            </a:r>
-            <a:r>
-              <a:rPr lang="en-US" sz="2800" dirty="0" smtClean="0"/>
-              <a:t>or desirability</a:t>
-            </a:r>
-            <a:r>
-              <a:rPr lang="en-US" sz="2800" dirty="0"/>
-              <a:t>, of each chromosome, is evaluated via an external fitness function</a:t>
-            </a:r>
-            <a:r>
-              <a:rPr lang="en-US" sz="2800" dirty="0" smtClean="0"/>
-              <a:t>.</a:t>
-            </a:r>
-          </a:p>
-          <a:p>
-            <a:endParaRPr lang="en-US" sz="2800" dirty="0" smtClean="0"/>
-          </a:p>
-          <a:p>
-            <a:r>
-              <a:rPr lang="en-US" sz="2800" dirty="0"/>
-              <a:t>Variations </a:t>
-            </a:r>
-            <a:r>
-              <a:rPr lang="en-US" sz="2800" dirty="0" smtClean="0"/>
-              <a:t>are introduced </a:t>
-            </a:r>
-            <a:r>
-              <a:rPr lang="en-US" sz="2800" dirty="0"/>
-              <a:t>through </a:t>
-            </a:r>
-            <a:r>
-              <a:rPr lang="en-US" sz="2800" dirty="0" smtClean="0"/>
-              <a:t>mutation </a:t>
-            </a:r>
-            <a:r>
-              <a:rPr lang="en-US" sz="2800" dirty="0"/>
-              <a:t>and crossover. </a:t>
-            </a:r>
-            <a:endParaRPr lang="en-US" sz="2800" dirty="0" smtClean="0"/>
-          </a:p>
-          <a:p>
-            <a:endParaRPr lang="en-US" sz="2800" dirty="0" smtClean="0"/>
-          </a:p>
-          <a:p>
-            <a:r>
-              <a:rPr lang="en-US" sz="2800" dirty="0" smtClean="0"/>
-              <a:t>These </a:t>
-            </a:r>
-            <a:r>
-              <a:rPr lang="en-US" sz="2800" dirty="0"/>
-              <a:t>operations create </a:t>
-            </a:r>
-            <a:r>
-              <a:rPr lang="en-US" sz="2800" dirty="0" smtClean="0"/>
-              <a:t>a new </a:t>
-            </a:r>
-            <a:r>
-              <a:rPr lang="en-US" sz="2800" dirty="0"/>
-              <a:t>generation and the cycle repeats.</a:t>
-            </a:r>
-          </a:p>
-        </p:txBody>
-      </p:sp>
-    </p:spTree>
-    <p:extLst>
-      <p:ext uri="{BB962C8B-B14F-4D97-AF65-F5344CB8AC3E}">
-        <p14:creationId xmlns:p14="http://schemas.microsoft.com/office/powerpoint/2010/main" val="869944294"/>
-      </p:ext>
-    </p:extLst>
-  </p:cSld>
-  <p:clrMapOvr>
-    <a:masterClrMapping/>
-  </p:clrMapOvr>
-  <p:timing>
-    <p:tnLst>
-      <p:par>
-        <p:cTn xmlns:p14="http://schemas.microsoft.com/office/powerpoint/2010/main" id="1" dur="indefinite" restart="never" nodeType="tmRoot"/>
-      </p:par>
-    </p:tnLst>
-  </p:timing>
-</p:sld>
-</file>
-
-<file path=ppt/slides/slide24.xml><?xml version="1.0" encoding="utf-8"?>
-<p:sld xmlns:a="http://schemas.openxmlformats.org/drawingml/2006/main" xmlns:r="http://schemas.openxmlformats.org/officeDocument/2006/relationships" xmlns:p="http://schemas.openxmlformats.org/presentationml/2006/main">
-  <p:cSld>
-    <p:spTree>
-      <p:nvGrpSpPr>
-        <p:cNvPr id="1" name=""/>
-        <p:cNvGrpSpPr/>
-        <p:nvPr/>
-      </p:nvGrpSpPr>
-      <p:grpSpPr>
-        <a:xfrm>
-          <a:off x="0" y="0"/>
-          <a:ext cx="0" cy="0"/>
-          <a:chOff x="0" y="0"/>
-          <a:chExt cx="0" cy="0"/>
-        </a:xfrm>
-      </p:grpSpPr>
-      <p:sp>
-        <p:nvSpPr>
-          <p:cNvPr id="2" name="Title 1"/>
-          <p:cNvSpPr>
-            <a:spLocks noGrp="1"/>
-          </p:cNvSpPr>
-          <p:nvPr>
-            <p:ph type="title"/>
-          </p:nvPr>
-        </p:nvSpPr>
-        <p:spPr/>
-        <p:txBody>
-          <a:bodyPr/>
-          <a:lstStyle/>
-          <a:p>
-            <a:r>
-              <a:rPr lang="en-US" dirty="0" smtClean="0"/>
-              <a:t>Program Representation</a:t>
-            </a:r>
-            <a:endParaRPr lang="en-US" dirty="0"/>
-          </a:p>
-        </p:txBody>
-      </p:sp>
-      <p:sp>
-        <p:nvSpPr>
-          <p:cNvPr id="3" name="Content Placeholder 2"/>
-          <p:cNvSpPr>
-            <a:spLocks noGrp="1"/>
-          </p:cNvSpPr>
-          <p:nvPr>
-            <p:ph idx="1"/>
-          </p:nvPr>
-        </p:nvSpPr>
-        <p:spPr/>
-        <p:txBody>
-          <a:bodyPr/>
-          <a:lstStyle/>
-          <a:p>
-            <a:r>
-              <a:rPr lang="en-US" dirty="0"/>
-              <a:t>An abstract syntax tree(AST) including all of the statements in the </a:t>
-            </a:r>
-            <a:r>
-              <a:rPr lang="en-US" dirty="0" smtClean="0"/>
-              <a:t>program </a:t>
-            </a:r>
-          </a:p>
-          <a:p>
-            <a:endParaRPr lang="en-US" dirty="0"/>
-          </a:p>
-          <a:p>
-            <a:r>
-              <a:rPr lang="en-US" dirty="0" smtClean="0"/>
-              <a:t>A </a:t>
-            </a:r>
-            <a:r>
-              <a:rPr lang="en-US" dirty="0"/>
-              <a:t>weighted path through the program under test. </a:t>
-            </a:r>
-            <a:endParaRPr lang="en-US" dirty="0" smtClean="0"/>
-          </a:p>
-          <a:p>
-            <a:pPr lvl="1"/>
-            <a:r>
-              <a:rPr lang="en-US" dirty="0" smtClean="0"/>
-              <a:t>The weighted path </a:t>
-            </a:r>
-            <a:r>
-              <a:rPr lang="en-US" dirty="0"/>
-              <a:t>is a list of pairs, each pair containing a statement in the program and a weight based on that statements occurrences </a:t>
-            </a:r>
-            <a:r>
-              <a:rPr lang="en-US" dirty="0" smtClean="0"/>
-              <a:t>in various </a:t>
-            </a:r>
-            <a:r>
-              <a:rPr lang="en-US" dirty="0"/>
-              <a:t>test cases.</a:t>
-            </a:r>
-          </a:p>
-        </p:txBody>
-      </p:sp>
-    </p:spTree>
-    <p:extLst>
-      <p:ext uri="{BB962C8B-B14F-4D97-AF65-F5344CB8AC3E}">
-        <p14:creationId xmlns:p14="http://schemas.microsoft.com/office/powerpoint/2010/main" val="3713311294"/>
-      </p:ext>
-    </p:extLst>
-  </p:cSld>
-  <p:clrMapOvr>
-    <a:masterClrMapping/>
-  </p:clrMapOvr>
-  <p:timing>
-    <p:tnLst>
-      <p:par>
-        <p:cTn xmlns:p14="http://schemas.microsoft.com/office/powerpoint/2010/main" id="1" dur="indefinite" restart="never" nodeType="tmRoot"/>
-      </p:par>
-    </p:tnLst>
-  </p:timing>
-</p:sld>
-</file>
-
-<file path=ppt/slides/slide25.xml><?xml version="1.0" encoding="utf-8"?>
-<p:sld xmlns:a="http://schemas.openxmlformats.org/drawingml/2006/main" xmlns:r="http://schemas.openxmlformats.org/officeDocument/2006/relationships" xmlns:p="http://schemas.openxmlformats.org/presentationml/2006/main">
-  <p:cSld>
-    <p:spTree>
-      <p:nvGrpSpPr>
-        <p:cNvPr id="1" name=""/>
-        <p:cNvGrpSpPr/>
-        <p:nvPr/>
-      </p:nvGrpSpPr>
-      <p:grpSpPr>
-        <a:xfrm>
-          <a:off x="0" y="0"/>
-          <a:ext cx="0" cy="0"/>
-          <a:chOff x="0" y="0"/>
-          <a:chExt cx="0" cy="0"/>
-        </a:xfrm>
-      </p:grpSpPr>
-      <p:sp>
-        <p:nvSpPr>
-          <p:cNvPr id="2" name="Title 1"/>
-          <p:cNvSpPr>
-            <a:spLocks noGrp="1"/>
-          </p:cNvSpPr>
-          <p:nvPr>
-            <p:ph type="title"/>
-          </p:nvPr>
-        </p:nvSpPr>
-        <p:spPr/>
-        <p:txBody>
-          <a:bodyPr/>
-          <a:lstStyle/>
-          <a:p>
-            <a:r>
-              <a:rPr lang="en-US" dirty="0" smtClean="0"/>
-              <a:t>Key Insights</a:t>
-            </a:r>
-            <a:endParaRPr lang="en-US" dirty="0"/>
-          </a:p>
-        </p:txBody>
-      </p:sp>
-      <p:sp>
-        <p:nvSpPr>
-          <p:cNvPr id="3" name="Content Placeholder 2"/>
-          <p:cNvSpPr>
-            <a:spLocks noGrp="1"/>
-          </p:cNvSpPr>
-          <p:nvPr>
-            <p:ph idx="1"/>
-          </p:nvPr>
-        </p:nvSpPr>
-        <p:spPr/>
-        <p:txBody>
-          <a:bodyPr>
-            <a:normAutofit fontScale="92500" lnSpcReduction="20000"/>
-          </a:bodyPr>
-          <a:lstStyle/>
-          <a:p>
-            <a:r>
-              <a:rPr lang="en-US" dirty="0" smtClean="0"/>
-              <a:t>Restrict </a:t>
-            </a:r>
-            <a:r>
-              <a:rPr lang="en-US" dirty="0"/>
-              <a:t>the </a:t>
-            </a:r>
-            <a:r>
-              <a:rPr lang="en-US" dirty="0" smtClean="0"/>
-              <a:t>algorithm to </a:t>
-            </a:r>
-            <a:r>
-              <a:rPr lang="en-US" dirty="0"/>
-              <a:t>only produce changes that are based on structures in other parts of the program. </a:t>
-            </a:r>
-            <a:endParaRPr lang="en-US" dirty="0" smtClean="0"/>
-          </a:p>
-          <a:p>
-            <a:pPr lvl="1"/>
-            <a:r>
-              <a:rPr lang="en-US" dirty="0" smtClean="0"/>
-              <a:t>hypothesize </a:t>
-            </a:r>
-            <a:r>
-              <a:rPr lang="en-US" dirty="0"/>
-              <a:t>that </a:t>
-            </a:r>
-            <a:r>
-              <a:rPr lang="en-US" dirty="0" smtClean="0"/>
-              <a:t>a program </a:t>
-            </a:r>
-            <a:r>
-              <a:rPr lang="en-US" dirty="0"/>
-              <a:t>that is missing important functionality (e.g., a null check) will be able to copy and adapt it from another </a:t>
-            </a:r>
-            <a:r>
-              <a:rPr lang="en-US" dirty="0" smtClean="0"/>
-              <a:t>location in </a:t>
-            </a:r>
-            <a:r>
-              <a:rPr lang="en-US" dirty="0"/>
-              <a:t>the program. </a:t>
-            </a:r>
-            <a:endParaRPr lang="en-US" dirty="0" smtClean="0"/>
-          </a:p>
-          <a:p>
-            <a:pPr lvl="1"/>
-            <a:endParaRPr lang="en-US" dirty="0" smtClean="0"/>
-          </a:p>
-          <a:p>
-            <a:r>
-              <a:rPr lang="en-US" dirty="0" smtClean="0"/>
-              <a:t>Constrain </a:t>
-            </a:r>
-            <a:r>
-              <a:rPr lang="en-US" dirty="0"/>
-              <a:t>the genetic operations of mutation and crossover to operate only on the region of </a:t>
-            </a:r>
-            <a:r>
-              <a:rPr lang="en-US" dirty="0" smtClean="0"/>
-              <a:t>the program </a:t>
-            </a:r>
-            <a:r>
-              <a:rPr lang="en-US" dirty="0"/>
-              <a:t>that is relevant to the error </a:t>
-            </a:r>
-            <a:endParaRPr lang="en-US" dirty="0" smtClean="0"/>
-          </a:p>
-          <a:p>
-            <a:pPr lvl="1"/>
-            <a:r>
-              <a:rPr lang="en-US" dirty="0" smtClean="0"/>
-              <a:t>the </a:t>
-            </a:r>
-            <a:r>
-              <a:rPr lang="en-US" dirty="0"/>
-              <a:t>portions of the program that were on the execution path that produced </a:t>
-            </a:r>
-            <a:r>
-              <a:rPr lang="en-US" dirty="0" smtClean="0"/>
-              <a:t>the error</a:t>
-            </a:r>
-            <a:endParaRPr lang="en-US" dirty="0"/>
-          </a:p>
-        </p:txBody>
-      </p:sp>
-    </p:spTree>
-    <p:extLst>
-      <p:ext uri="{BB962C8B-B14F-4D97-AF65-F5344CB8AC3E}">
-        <p14:creationId xmlns:p14="http://schemas.microsoft.com/office/powerpoint/2010/main" val="873981880"/>
-      </p:ext>
-    </p:extLst>
-  </p:cSld>
-  <p:clrMapOvr>
-    <a:masterClrMapping/>
-  </p:clrMapOvr>
-  <p:timing>
-    <p:tnLst>
-      <p:par>
-        <p:cTn xmlns:p14="http://schemas.microsoft.com/office/powerpoint/2010/main" id="1" dur="indefinite" restart="never" nodeType="tmRoot"/>
-      </p:par>
-    </p:tnLst>
-  </p:timing>
-</p:sld>
-</file>
-
-<file path=ppt/slides/slide26.xml><?xml version="1.0" encoding="utf-8"?>
-<p:sld xmlns:a="http://schemas.openxmlformats.org/drawingml/2006/main" xmlns:r="http://schemas.openxmlformats.org/officeDocument/2006/relationships" xmlns:p="http://schemas.openxmlformats.org/presentationml/2006/main">
-  <p:cSld>
-    <p:spTree>
-      <p:nvGrpSpPr>
-        <p:cNvPr id="1" name=""/>
-        <p:cNvGrpSpPr/>
-        <p:nvPr/>
-      </p:nvGrpSpPr>
-      <p:grpSpPr>
-        <a:xfrm>
-          <a:off x="0" y="0"/>
-          <a:ext cx="0" cy="0"/>
-          <a:chOff x="0" y="0"/>
-          <a:chExt cx="0" cy="0"/>
-        </a:xfrm>
-      </p:grpSpPr>
-      <p:sp>
-        <p:nvSpPr>
-          <p:cNvPr id="2" name="Title 1"/>
-          <p:cNvSpPr>
-            <a:spLocks noGrp="1"/>
-          </p:cNvSpPr>
-          <p:nvPr>
-            <p:ph type="title"/>
-          </p:nvPr>
-        </p:nvSpPr>
-        <p:spPr/>
-        <p:txBody>
-          <a:bodyPr/>
-          <a:lstStyle/>
-          <a:p>
-            <a:r>
-              <a:rPr lang="en-US" dirty="0" smtClean="0"/>
-              <a:t>Approach using GP</a:t>
-            </a:r>
-            <a:endParaRPr lang="en-US" dirty="0"/>
-          </a:p>
-        </p:txBody>
-      </p:sp>
-      <p:sp>
-        <p:nvSpPr>
-          <p:cNvPr id="3" name="Content Placeholder 2"/>
-          <p:cNvSpPr>
-            <a:spLocks noGrp="1"/>
-          </p:cNvSpPr>
-          <p:nvPr>
-            <p:ph idx="1"/>
-          </p:nvPr>
-        </p:nvSpPr>
-        <p:spPr/>
-        <p:txBody>
-          <a:bodyPr>
-            <a:normAutofit fontScale="92500" lnSpcReduction="20000"/>
-          </a:bodyPr>
-          <a:lstStyle/>
-          <a:p>
-            <a:r>
-              <a:rPr lang="en-US" dirty="0" smtClean="0"/>
-              <a:t>Use GP </a:t>
-            </a:r>
-            <a:r>
-              <a:rPr lang="en-US" dirty="0"/>
-              <a:t>to maintain a population of variants of </a:t>
-            </a:r>
-            <a:r>
-              <a:rPr lang="en-US" dirty="0" smtClean="0"/>
-              <a:t>a program </a:t>
-            </a:r>
-          </a:p>
-          <a:p>
-            <a:endParaRPr lang="en-US" dirty="0" smtClean="0"/>
-          </a:p>
-          <a:p>
-            <a:r>
-              <a:rPr lang="en-US" dirty="0" smtClean="0"/>
-              <a:t>Modifies </a:t>
-            </a:r>
-            <a:r>
-              <a:rPr lang="en-US" dirty="0"/>
-              <a:t>variants using two genetic algorithm operations, </a:t>
-            </a:r>
-            <a:r>
-              <a:rPr lang="en-US" b="1" i="1" dirty="0"/>
-              <a:t>crossover</a:t>
-            </a:r>
-            <a:r>
-              <a:rPr lang="en-US" dirty="0"/>
-              <a:t> and </a:t>
-            </a:r>
-            <a:r>
-              <a:rPr lang="en-US" b="1" i="1" dirty="0" smtClean="0"/>
-              <a:t>mutation</a:t>
-            </a:r>
-          </a:p>
-          <a:p>
-            <a:endParaRPr lang="en-US" dirty="0" smtClean="0"/>
-          </a:p>
-          <a:p>
-            <a:r>
-              <a:rPr lang="en-US" dirty="0" smtClean="0"/>
-              <a:t>Evaluates </a:t>
-            </a:r>
-            <a:r>
-              <a:rPr lang="en-US" dirty="0"/>
-              <a:t>the </a:t>
-            </a:r>
-            <a:r>
-              <a:rPr lang="en-US" dirty="0" smtClean="0"/>
-              <a:t>fitness of </a:t>
-            </a:r>
-            <a:r>
-              <a:rPr lang="en-US" dirty="0"/>
-              <a:t>each variant </a:t>
-            </a:r>
-          </a:p>
-          <a:p>
-            <a:pPr lvl="1"/>
-            <a:r>
-              <a:rPr lang="en-US" dirty="0" smtClean="0"/>
-              <a:t>a </a:t>
-            </a:r>
-            <a:r>
-              <a:rPr lang="en-US" dirty="0"/>
-              <a:t>weighted sum </a:t>
-            </a:r>
-            <a:r>
-              <a:rPr lang="en-US" dirty="0" smtClean="0"/>
-              <a:t>of the </a:t>
-            </a:r>
-            <a:r>
-              <a:rPr lang="en-US" dirty="0"/>
-              <a:t>positive and negative test cases it passes</a:t>
-            </a:r>
-            <a:r>
-              <a:rPr lang="en-US" dirty="0" smtClean="0"/>
-              <a:t>.</a:t>
-            </a:r>
-          </a:p>
-          <a:p>
-            <a:pPr lvl="1"/>
-            <a:endParaRPr lang="en-US" dirty="0" smtClean="0"/>
-          </a:p>
-          <a:p>
-            <a:r>
-              <a:rPr lang="en-US" dirty="0"/>
-              <a:t>Their approach stops when a program variant that passes all of the test cases </a:t>
-            </a:r>
-            <a:r>
-              <a:rPr lang="en-US" dirty="0" smtClean="0"/>
-              <a:t>is found</a:t>
-            </a:r>
-            <a:r>
-              <a:rPr lang="en-US" dirty="0"/>
-              <a:t>.</a:t>
-            </a:r>
-          </a:p>
-        </p:txBody>
-      </p:sp>
-    </p:spTree>
-    <p:extLst>
-      <p:ext uri="{BB962C8B-B14F-4D97-AF65-F5344CB8AC3E}">
-        <p14:creationId xmlns:p14="http://schemas.microsoft.com/office/powerpoint/2010/main" val="3809004208"/>
-      </p:ext>
-    </p:extLst>
-  </p:cSld>
-  <p:clrMapOvr>
-    <a:masterClrMapping/>
-  </p:clrMapOvr>
-  <p:timing>
-    <p:tnLst>
-      <p:par>
-        <p:cTn xmlns:p14="http://schemas.microsoft.com/office/powerpoint/2010/main" id="1" dur="indefinite" restart="never" nodeType="tmRoot"/>
+        <p:cTn id="1" dur="indefinite" restart="never" nodeType="tmRoot"/>
       </p:par>
     </p:tnLst>
   </p:timing>
@@ -7750,7 +7726,7 @@
     </p:spTree>
     <p:extLst>
       <p:ext uri="{BB962C8B-B14F-4D97-AF65-F5344CB8AC3E}">
-        <p14:creationId xmlns:p14="http://schemas.microsoft.com/office/powerpoint/2010/main" val="3811900393"/>
+        <p14:creationId xmlns:p14="http://schemas.microsoft.com/office/powerpoint/2010/main" xmlns="" val="3811900393"/>
       </p:ext>
     </p:extLst>
   </p:cSld>
@@ -7760,7 +7736,7 @@
   <p:timing>
     <p:tnLst>
       <p:par>
-        <p:cTn xmlns:p14="http://schemas.microsoft.com/office/powerpoint/2010/main" id="1" dur="indefinite" restart="never" nodeType="tmRoot"/>
+        <p:cTn id="1" dur="indefinite" restart="never" nodeType="tmRoot"/>
       </p:par>
     </p:tnLst>
   </p:timing>
@@ -7801,7 +7777,7 @@
           <a:p>
             <a:r>
               <a:rPr lang="en-US" dirty="0" smtClean="0"/>
-              <a:t>Software Testing</a:t>
+              <a:t>Automated Software Testing</a:t>
             </a:r>
             <a:endParaRPr lang="en-US" dirty="0"/>
           </a:p>
@@ -7820,68 +7796,226 @@
         <p:spPr/>
         <p:txBody>
           <a:bodyPr>
-            <a:normAutofit lnSpcReduction="10000"/>
+            <a:normAutofit/>
           </a:bodyPr>
           <a:lstStyle/>
           <a:p>
-            <a:r>
-              <a:rPr lang="en-US" dirty="0" smtClean="0"/>
-              <a:t>Software </a:t>
-            </a:r>
-            <a:r>
-              <a:rPr lang="en-US" dirty="0"/>
-              <a:t>testing is the process of executing a program or application with the intent of finding software </a:t>
-            </a:r>
-            <a:r>
-              <a:rPr lang="en-US" dirty="0" smtClean="0"/>
-              <a:t>bugs</a:t>
-            </a:r>
-          </a:p>
-          <a:p>
-            <a:pPr lvl="1"/>
-            <a:r>
-              <a:rPr lang="en-US" dirty="0" smtClean="0"/>
-              <a:t>execute program with actual input</a:t>
-            </a:r>
-          </a:p>
-          <a:p>
-            <a:pPr lvl="1"/>
-            <a:r>
-              <a:rPr lang="en-US" dirty="0" smtClean="0"/>
-              <a:t>observe output for expected behaviors</a:t>
-            </a:r>
-          </a:p>
-          <a:p>
-            <a:pPr lvl="1"/>
-            <a:endParaRPr lang="en-US" dirty="0" smtClean="0"/>
-          </a:p>
-          <a:p>
-            <a:r>
-              <a:rPr lang="en-US" dirty="0" smtClean="0"/>
-              <a:t>Automated software testing</a:t>
-            </a:r>
-          </a:p>
-          <a:p>
-            <a:pPr lvl="1"/>
-            <a:r>
-              <a:rPr lang="en-US" dirty="0" smtClean="0"/>
-              <a:t>automate testing execution</a:t>
-            </a:r>
-          </a:p>
-          <a:p>
-            <a:pPr lvl="1"/>
-            <a:r>
-              <a:rPr lang="en-US" dirty="0" smtClean="0"/>
-              <a:t>automate input generation</a:t>
+            <a:pPr>
+              <a:lnSpc>
+                <a:spcPct val="90000"/>
+              </a:lnSpc>
+            </a:pPr>
+            <a:r>
+              <a:rPr lang="en-US" sz="2800" dirty="0" smtClean="0"/>
+              <a:t>Structural testing is a </a:t>
+            </a:r>
+            <a:r>
+              <a:rPr lang="en-US" sz="2800" b="1" dirty="0" smtClean="0"/>
+              <a:t>widely used </a:t>
+            </a:r>
+            <a:r>
+              <a:rPr lang="en-US" sz="2800" dirty="0" smtClean="0"/>
+              <a:t>software testing technique</a:t>
+            </a:r>
+            <a:endParaRPr lang="en-US" sz="2400" dirty="0" smtClean="0"/>
+          </a:p>
+          <a:p>
+            <a:pPr lvl="1">
+              <a:lnSpc>
+                <a:spcPct val="90000"/>
+              </a:lnSpc>
+            </a:pPr>
+            <a:r>
+              <a:rPr lang="en-US" sz="2400" dirty="0"/>
+              <a:t>t</a:t>
+            </a:r>
+            <a:r>
+              <a:rPr lang="en-US" sz="2400" dirty="0" smtClean="0"/>
+              <a:t>est internal </a:t>
+            </a:r>
+            <a:r>
+              <a:rPr lang="en-US" sz="2400" dirty="0"/>
+              <a:t>structures </a:t>
+            </a:r>
+            <a:r>
+              <a:rPr lang="en-US" sz="2400" dirty="0" smtClean="0"/>
+              <a:t>of </a:t>
+            </a:r>
+            <a:r>
+              <a:rPr lang="en-US" altLang="zh-CN" sz="2400" dirty="0" smtClean="0"/>
+              <a:t>a program</a:t>
+            </a:r>
+            <a:r>
+              <a:rPr lang="en-US" sz="2400" dirty="0" smtClean="0"/>
+              <a:t> </a:t>
+            </a:r>
+            <a:r>
+              <a:rPr lang="en-US" sz="2400" dirty="0"/>
+              <a:t>(i.e., </a:t>
+            </a:r>
+            <a:r>
+              <a:rPr lang="en-US" sz="2400" dirty="0" smtClean="0"/>
+              <a:t>white-box testing)</a:t>
+            </a:r>
+          </a:p>
+          <a:p>
+            <a:pPr lvl="1">
+              <a:lnSpc>
+                <a:spcPct val="90000"/>
+              </a:lnSpc>
+            </a:pPr>
+            <a:r>
+              <a:rPr lang="en-US" sz="2400" dirty="0"/>
+              <a:t>m</a:t>
+            </a:r>
+            <a:r>
+              <a:rPr lang="en-US" sz="2400" dirty="0" smtClean="0"/>
+              <a:t>easure achieved structural coverage, e.g.,</a:t>
+            </a:r>
+          </a:p>
+          <a:p>
+            <a:pPr lvl="2">
+              <a:lnSpc>
+                <a:spcPct val="90000"/>
+              </a:lnSpc>
+            </a:pPr>
+            <a:r>
+              <a:rPr lang="en-US" sz="2000" dirty="0" smtClean="0"/>
+              <a:t>Statement/Block </a:t>
+            </a:r>
+            <a:r>
+              <a:rPr lang="en-US" sz="2000" dirty="0"/>
+              <a:t>Coverage</a:t>
+            </a:r>
+          </a:p>
+          <a:p>
+            <a:pPr lvl="2">
+              <a:lnSpc>
+                <a:spcPct val="90000"/>
+              </a:lnSpc>
+            </a:pPr>
+            <a:r>
+              <a:rPr lang="en-US" sz="2000" dirty="0" smtClean="0"/>
+              <a:t>Branch Coverage</a:t>
+            </a:r>
+          </a:p>
+          <a:p>
+            <a:pPr lvl="2">
+              <a:lnSpc>
+                <a:spcPct val="90000"/>
+              </a:lnSpc>
+            </a:pPr>
+            <a:endParaRPr lang="en-US" sz="2000" dirty="0"/>
+          </a:p>
+          <a:p>
+            <a:pPr>
+              <a:lnSpc>
+                <a:spcPct val="90000"/>
+              </a:lnSpc>
+            </a:pPr>
+            <a:r>
+              <a:rPr lang="en-US" sz="2800" dirty="0" smtClean="0"/>
+              <a:t>Achieving </a:t>
+            </a:r>
+            <a:r>
+              <a:rPr lang="en-US" sz="2800" dirty="0"/>
+              <a:t>at least high structural coverage is </a:t>
+            </a:r>
+            <a:r>
+              <a:rPr lang="en-US" sz="2800" b="1" dirty="0"/>
+              <a:t>an important goal </a:t>
+            </a:r>
+            <a:r>
+              <a:rPr lang="en-US" sz="2800" dirty="0"/>
+              <a:t>of structural testing</a:t>
+            </a:r>
+            <a:endParaRPr lang="en-US" sz="2800" b="1" dirty="0"/>
+          </a:p>
+          <a:p>
+            <a:pPr lvl="1">
+              <a:lnSpc>
+                <a:spcPct val="90000"/>
+              </a:lnSpc>
+            </a:pPr>
+            <a:r>
+              <a:rPr lang="en-US" sz="2200" dirty="0"/>
+              <a:t>d</a:t>
+            </a:r>
+            <a:r>
+              <a:rPr lang="en-US" sz="2200" dirty="0" smtClean="0"/>
+              <a:t>evelopers/testers </a:t>
+            </a:r>
+            <a:r>
+              <a:rPr lang="en-US" sz="2200" dirty="0"/>
+              <a:t>manually produce test inputs</a:t>
+            </a:r>
+          </a:p>
+          <a:p>
+            <a:pPr lvl="1">
+              <a:lnSpc>
+                <a:spcPct val="90000"/>
+              </a:lnSpc>
+            </a:pPr>
+            <a:r>
+              <a:rPr lang="en-US" sz="2200" dirty="0"/>
+              <a:t>t</a:t>
+            </a:r>
+            <a:r>
+              <a:rPr lang="en-US" sz="2200" dirty="0" smtClean="0"/>
+              <a:t>ools </a:t>
+            </a:r>
+            <a:r>
+              <a:rPr lang="en-US" sz="2200" dirty="0"/>
+              <a:t>automatically </a:t>
+            </a:r>
+            <a:r>
+              <a:rPr lang="en-US" sz="2200" dirty="0" smtClean="0"/>
+              <a:t>generate </a:t>
+            </a:r>
+            <a:r>
+              <a:rPr lang="en-US" sz="2200" dirty="0"/>
+              <a:t>test inputs</a:t>
             </a:r>
             <a:endParaRPr lang="en-US" dirty="0"/>
+          </a:p>
+          <a:p>
+            <a:pPr lvl="2">
+              <a:lnSpc>
+                <a:spcPct val="90000"/>
+              </a:lnSpc>
+            </a:pPr>
+            <a:endParaRPr lang="en-US" sz="2000" dirty="0"/>
+          </a:p>
+        </p:txBody>
+      </p:sp>
+      <p:sp>
+        <p:nvSpPr>
+          <p:cNvPr id="4" name="Slide Number Placeholder 3"/>
+          <p:cNvSpPr>
+            <a:spLocks noGrp="1"/>
+          </p:cNvSpPr>
+          <p:nvPr>
+            <p:ph type="sldNum" sz="quarter" idx="12"/>
+          </p:nvPr>
+        </p:nvSpPr>
+        <p:spPr/>
+        <p:txBody>
+          <a:bodyPr/>
+          <a:lstStyle/>
+          <a:p>
+            <a:fld id="{9648F39E-9C37-485F-AC97-16BB4BDF9F49}" type="slidenum">
+              <a:rPr kumimoji="0" lang="en-US" smtClean="0"/>
+              <a:pPr/>
+              <a:t>4</a:t>
+            </a:fld>
+            <a:endParaRPr kumimoji="0" lang="en-US"/>
           </a:p>
         </p:txBody>
       </p:sp>
     </p:spTree>
     <p:extLst>
       <p:ext uri="{BB962C8B-B14F-4D97-AF65-F5344CB8AC3E}">
-        <p14:creationId xmlns:p14="http://schemas.microsoft.com/office/powerpoint/2010/main" val="1537468606"/>
+        <p14:creationId xmlns:p14="http://schemas.microsoft.com/office/powerpoint/2010/main" xmlns="" val="4243506867"/>
       </p:ext>
     </p:extLst>
   </p:cSld>
@@ -7891,7 +8025,7 @@
   <p:timing>
     <p:tnLst>
       <p:par>
-        <p:cTn xmlns:p14="http://schemas.microsoft.com/office/powerpoint/2010/main" id="1" dur="indefinite" restart="never" nodeType="tmRoot"/>
+        <p:cTn id="1" dur="indefinite" restart="never" nodeType="tmRoot"/>
       </p:par>
     </p:tnLst>
   </p:timing>
@@ -7927,12 +8061,14 @@
         </p:nvSpPr>
         <p:spPr/>
         <p:txBody>
-          <a:bodyPr/>
+          <a:bodyPr>
+            <a:normAutofit fontScale="90000"/>
+          </a:bodyPr>
           <a:lstStyle/>
           <a:p>
             <a:r>
               <a:rPr lang="en-US" dirty="0" smtClean="0"/>
-              <a:t>Structural Testing</a:t>
+              <a:t>Symbolic Execution in Software Testing</a:t>
             </a:r>
             <a:endParaRPr lang="en-US" dirty="0"/>
           </a:p>
@@ -7951,238 +8087,88 @@
         <p:spPr/>
         <p:txBody>
           <a:bodyPr>
-            <a:normAutofit/>
+            <a:normAutofit fontScale="92500" lnSpcReduction="20000"/>
           </a:bodyPr>
           <a:lstStyle/>
           <a:p>
-            <a:pPr>
-              <a:lnSpc>
-                <a:spcPct val="90000"/>
-              </a:lnSpc>
-            </a:pPr>
-            <a:r>
-              <a:rPr lang="en-US" sz="2800" dirty="0" smtClean="0"/>
-              <a:t>Structural testing is a </a:t>
-            </a:r>
-            <a:r>
-              <a:rPr lang="en-US" sz="2800" b="1" dirty="0" smtClean="0"/>
-              <a:t>widely used </a:t>
-            </a:r>
-            <a:r>
-              <a:rPr lang="en-US" sz="2800" dirty="0" smtClean="0"/>
-              <a:t>software testing technique</a:t>
-            </a:r>
-            <a:endParaRPr lang="en-US" sz="2400" dirty="0" smtClean="0"/>
-          </a:p>
-          <a:p>
-            <a:pPr lvl="1">
-              <a:lnSpc>
-                <a:spcPct val="90000"/>
-              </a:lnSpc>
-            </a:pPr>
-            <a:r>
-              <a:rPr lang="en-US" sz="2400" dirty="0"/>
-              <a:t>t</a:t>
-            </a:r>
-            <a:r>
-              <a:rPr lang="en-US" sz="2400" dirty="0" smtClean="0"/>
-              <a:t>est </a:t>
-            </a:r>
-            <a:r>
-              <a:rPr lang="en-US" sz="2400" dirty="0" smtClean="0"/>
-              <a:t>internal </a:t>
-            </a:r>
-            <a:r>
-              <a:rPr lang="en-US" sz="2400" dirty="0"/>
-              <a:t>structures </a:t>
-            </a:r>
-            <a:r>
-              <a:rPr lang="en-US" sz="2400" dirty="0" smtClean="0"/>
-              <a:t>of </a:t>
-            </a:r>
-            <a:r>
-              <a:rPr lang="en-US" altLang="zh-CN" sz="2400" dirty="0" smtClean="0"/>
-              <a:t>a program</a:t>
-            </a:r>
-            <a:r>
-              <a:rPr lang="en-US" sz="2400" dirty="0" smtClean="0"/>
+            <a:r>
+              <a:rPr lang="en-US" dirty="0" smtClean="0"/>
+              <a:t>Symbolic execution </a:t>
+            </a:r>
+            <a:r>
+              <a:rPr lang="en-US" dirty="0"/>
+              <a:t>track programs </a:t>
+            </a:r>
+            <a:r>
+              <a:rPr lang="en-US" dirty="0" smtClean="0"/>
+              <a:t>symbolically </a:t>
+            </a:r>
+            <a:r>
+              <a:rPr lang="en-US" dirty="0"/>
+              <a:t>rather than executing them with actual input </a:t>
+            </a:r>
+            <a:r>
+              <a:rPr lang="en-US" dirty="0" smtClean="0"/>
+              <a:t>value</a:t>
+            </a:r>
+          </a:p>
+          <a:p>
+            <a:pPr lvl="1"/>
+            <a:r>
+              <a:rPr lang="en-US" dirty="0" smtClean="0"/>
+              <a:t>track program input symbolically</a:t>
+            </a:r>
+          </a:p>
+          <a:p>
+            <a:pPr lvl="1"/>
+            <a:r>
+              <a:rPr lang="en-US" dirty="0" smtClean="0"/>
+              <a:t>collect constraints in the program</a:t>
+            </a:r>
+          </a:p>
+          <a:p>
+            <a:pPr lvl="1"/>
+            <a:endParaRPr lang="en-US" dirty="0" smtClean="0"/>
+          </a:p>
+          <a:p>
+            <a:r>
+              <a:rPr lang="en-US" dirty="0" smtClean="0"/>
+              <a:t>Dynamic Symbolic Execution (</a:t>
+            </a:r>
+            <a:r>
+              <a:rPr lang="en-US" dirty="0" err="1"/>
+              <a:t>Concolic</a:t>
+            </a:r>
+            <a:r>
+              <a:rPr lang="en-US" dirty="0"/>
               <a:t> </a:t>
             </a:r>
             <a:r>
-              <a:rPr lang="en-US" sz="2400" dirty="0"/>
-              <a:t>(i.e., </a:t>
-            </a:r>
-            <a:r>
-              <a:rPr lang="en-US" sz="2400" dirty="0" smtClean="0"/>
-              <a:t>white-box testing)</a:t>
-            </a:r>
-          </a:p>
-          <a:p>
-            <a:pPr lvl="1">
-              <a:lnSpc>
-                <a:spcPct val="90000"/>
-              </a:lnSpc>
-            </a:pPr>
-            <a:r>
-              <a:rPr lang="en-US" sz="2400" dirty="0"/>
-              <a:t>m</a:t>
-            </a:r>
-            <a:r>
-              <a:rPr lang="en-US" sz="2400" dirty="0" smtClean="0"/>
-              <a:t>easure </a:t>
-            </a:r>
-            <a:r>
-              <a:rPr lang="en-US" sz="2400" dirty="0" smtClean="0"/>
-              <a:t>achieved structural coverage, e.g.,</a:t>
-            </a:r>
-          </a:p>
-          <a:p>
-            <a:pPr lvl="2">
-              <a:lnSpc>
-                <a:spcPct val="90000"/>
-              </a:lnSpc>
-            </a:pPr>
-            <a:r>
-              <a:rPr lang="en-US" sz="2000" dirty="0" smtClean="0"/>
-              <a:t>Statement/Block </a:t>
-            </a:r>
-            <a:r>
-              <a:rPr lang="en-US" sz="2000" dirty="0"/>
-              <a:t>Coverage</a:t>
-            </a:r>
-          </a:p>
-          <a:p>
-            <a:pPr lvl="2">
-              <a:lnSpc>
-                <a:spcPct val="90000"/>
-              </a:lnSpc>
-            </a:pPr>
-            <a:r>
-              <a:rPr lang="en-US" sz="2000" dirty="0" smtClean="0"/>
-              <a:t>Branch Coverage</a:t>
-            </a:r>
-          </a:p>
-          <a:p>
-            <a:pPr lvl="2">
-              <a:lnSpc>
-                <a:spcPct val="90000"/>
-              </a:lnSpc>
-            </a:pPr>
-            <a:endParaRPr lang="en-US" sz="2000" dirty="0"/>
-          </a:p>
-          <a:p>
-            <a:pPr>
-              <a:lnSpc>
-                <a:spcPct val="90000"/>
-              </a:lnSpc>
-            </a:pPr>
-            <a:r>
-              <a:rPr lang="en-US" sz="2800" dirty="0" smtClean="0"/>
-              <a:t>Achieving </a:t>
-            </a:r>
-            <a:r>
-              <a:rPr lang="en-US" sz="2800" dirty="0"/>
-              <a:t>at least high structural coverage is </a:t>
-            </a:r>
-            <a:r>
-              <a:rPr lang="en-US" sz="2800" b="1" dirty="0"/>
-              <a:t>an important goal </a:t>
-            </a:r>
-            <a:r>
-              <a:rPr lang="en-US" sz="2800" dirty="0"/>
-              <a:t>of structural testing</a:t>
-            </a:r>
-            <a:endParaRPr lang="en-US" sz="2800" b="1" dirty="0"/>
-          </a:p>
-          <a:p>
-            <a:pPr lvl="1">
-              <a:lnSpc>
-                <a:spcPct val="90000"/>
-              </a:lnSpc>
-            </a:pPr>
-            <a:r>
-              <a:rPr lang="en-US" sz="2200" dirty="0"/>
-              <a:t>d</a:t>
-            </a:r>
-            <a:r>
-              <a:rPr lang="en-US" sz="2200" dirty="0" smtClean="0"/>
-              <a:t>evelopers</a:t>
-            </a:r>
-            <a:r>
-              <a:rPr lang="en-US" sz="2200" dirty="0" smtClean="0"/>
-              <a:t>/testers </a:t>
-            </a:r>
-            <a:r>
-              <a:rPr lang="en-US" sz="2200" dirty="0"/>
-              <a:t>manually produce test inputs</a:t>
-            </a:r>
-          </a:p>
-          <a:p>
-            <a:pPr lvl="1">
-              <a:lnSpc>
-                <a:spcPct val="90000"/>
-              </a:lnSpc>
-            </a:pPr>
-            <a:r>
-              <a:rPr lang="en-US" sz="2200" dirty="0"/>
-              <a:t>t</a:t>
-            </a:r>
-            <a:r>
-              <a:rPr lang="en-US" sz="2200" dirty="0" smtClean="0"/>
-              <a:t>ools </a:t>
-            </a:r>
-            <a:r>
-              <a:rPr lang="en-US" sz="2200" dirty="0"/>
-              <a:t>automatically </a:t>
-            </a:r>
-            <a:r>
-              <a:rPr lang="en-US" sz="2200" dirty="0" smtClean="0"/>
-              <a:t>generate </a:t>
-            </a:r>
-            <a:r>
-              <a:rPr lang="en-US" sz="2200" dirty="0"/>
-              <a:t>test inputs</a:t>
+              <a:rPr lang="en-US" dirty="0" smtClean="0"/>
+              <a:t>testing) systematically explore program paths to generate inputs</a:t>
+            </a:r>
+          </a:p>
+          <a:p>
+            <a:pPr lvl="1"/>
+            <a:r>
+              <a:rPr lang="en-US" dirty="0" smtClean="0"/>
+              <a:t>combine both concrete and symbolic execution</a:t>
+            </a:r>
+          </a:p>
+          <a:p>
+            <a:pPr lvl="1"/>
+            <a:r>
+              <a:rPr lang="en-US" dirty="0" smtClean="0"/>
+              <a:t>use constraint solver to obtain new inputs</a:t>
             </a:r>
             <a:endParaRPr lang="en-US" dirty="0"/>
-          </a:p>
-          <a:p>
-            <a:pPr lvl="2">
-              <a:lnSpc>
-                <a:spcPct val="90000"/>
-              </a:lnSpc>
-            </a:pPr>
-            <a:endParaRPr lang="en-US" sz="2000" dirty="0"/>
-          </a:p>
-        </p:txBody>
-      </p:sp>
-      <p:sp>
-        <p:nvSpPr>
-          <p:cNvPr id="4" name="Slide Number Placeholder 3"/>
-          <p:cNvSpPr>
-            <a:spLocks noGrp="1"/>
-          </p:cNvSpPr>
-          <p:nvPr>
-            <p:ph type="sldNum" sz="quarter" idx="12"/>
-          </p:nvPr>
-        </p:nvSpPr>
-        <p:spPr/>
-        <p:txBody>
-          <a:bodyPr/>
-          <a:lstStyle/>
-          <a:p>
-            <a:fld id="{9648F39E-9C37-485F-AC97-16BB4BDF9F49}" type="slidenum">
-              <a:rPr kumimoji="0" lang="en-US" smtClean="0"/>
-              <a:pPr/>
-              <a:t>5</a:t>
-            </a:fld>
-            <a:endParaRPr kumimoji="0" lang="en-US"/>
           </a:p>
         </p:txBody>
       </p:sp>
     </p:spTree>
     <p:extLst>
       <p:ext uri="{BB962C8B-B14F-4D97-AF65-F5344CB8AC3E}">
-        <p14:creationId xmlns:p14="http://schemas.microsoft.com/office/powerpoint/2010/main" val="4243506867"/>
+        <p14:creationId xmlns:p14="http://schemas.microsoft.com/office/powerpoint/2010/main" xmlns="" val="3412044034"/>
       </p:ext>
     </p:extLst>
   </p:cSld>
@@ -8192,7 +8178,7 @@
   <p:timing>
     <p:tnLst>
       <p:par>
-        <p:cTn xmlns:p14="http://schemas.microsoft.com/office/powerpoint/2010/main" id="1" dur="indefinite" restart="never" nodeType="tmRoot"/>
+        <p:cTn id="1" dur="indefinite" restart="never" nodeType="tmRoot"/>
       </p:par>
     </p:tnLst>
   </p:timing>
@@ -8235,164 +8221,7 @@
           <a:p>
             <a:r>
               <a:rPr lang="en-US" dirty="0" smtClean="0"/>
-              <a:t>Symbolic Execution in Software Testing</a:t>
-            </a:r>
-            <a:endParaRPr lang="en-US" dirty="0"/>
-          </a:p>
-        </p:txBody>
-      </p:sp>
-      <p:sp>
-        <p:nvSpPr>
-          <p:cNvPr id="3" name="Content Placeholder 2"/>
-          <p:cNvSpPr>
-            <a:spLocks noGrp="1"/>
-          </p:cNvSpPr>
-          <p:nvPr>
-            <p:ph idx="1"/>
-          </p:nvPr>
-        </p:nvSpPr>
-        <p:spPr/>
-        <p:txBody>
-          <a:bodyPr>
-            <a:normAutofit fontScale="92500" lnSpcReduction="20000"/>
-          </a:bodyPr>
-          <a:lstStyle/>
-          <a:p>
-            <a:r>
-              <a:rPr lang="en-US" dirty="0" smtClean="0"/>
-              <a:t>Symbolic execution </a:t>
-            </a:r>
-            <a:r>
-              <a:rPr lang="en-US" dirty="0"/>
-              <a:t>track programs </a:t>
-            </a:r>
-            <a:r>
-              <a:rPr lang="en-US" dirty="0" smtClean="0"/>
-              <a:t>symbolically </a:t>
-            </a:r>
-            <a:r>
-              <a:rPr lang="en-US" dirty="0"/>
-              <a:t>rather than executing them with actual input </a:t>
-            </a:r>
-            <a:r>
-              <a:rPr lang="en-US" dirty="0" smtClean="0"/>
-              <a:t>value</a:t>
-            </a:r>
-          </a:p>
-          <a:p>
-            <a:pPr lvl="1"/>
-            <a:r>
-              <a:rPr lang="en-US" dirty="0" smtClean="0"/>
-              <a:t>track program input symbolically</a:t>
-            </a:r>
-          </a:p>
-          <a:p>
-            <a:pPr lvl="1"/>
-            <a:r>
-              <a:rPr lang="en-US" dirty="0" smtClean="0"/>
-              <a:t>collect constraints in the program</a:t>
-            </a:r>
-          </a:p>
-          <a:p>
-            <a:pPr lvl="1"/>
-            <a:endParaRPr lang="en-US" dirty="0" smtClean="0"/>
-          </a:p>
-          <a:p>
-            <a:r>
-              <a:rPr lang="en-US" dirty="0" smtClean="0"/>
-              <a:t>Dynamic Symbolic Execution (</a:t>
-            </a:r>
-            <a:r>
-              <a:rPr lang="en-US" dirty="0" err="1"/>
-              <a:t>Concolic</a:t>
-            </a:r>
-            <a:r>
-              <a:rPr lang="en-US" dirty="0"/>
-              <a:t> </a:t>
-            </a:r>
-            <a:r>
-              <a:rPr lang="en-US" dirty="0" smtClean="0"/>
-              <a:t>testing) systematically explore program paths to generate inputs</a:t>
-            </a:r>
-          </a:p>
-          <a:p>
-            <a:pPr lvl="1"/>
-            <a:r>
-              <a:rPr lang="en-US" dirty="0" smtClean="0"/>
-              <a:t>combine both concrete and symbolic execution</a:t>
-            </a:r>
-          </a:p>
-          <a:p>
-            <a:pPr lvl="1"/>
-            <a:r>
-              <a:rPr lang="en-US" dirty="0" smtClean="0"/>
-              <a:t>use constraint solver to obtain new inputs</a:t>
-            </a:r>
-            <a:endParaRPr lang="en-US" dirty="0"/>
-          </a:p>
-        </p:txBody>
-      </p:sp>
-    </p:spTree>
-    <p:extLst>
-      <p:ext uri="{BB962C8B-B14F-4D97-AF65-F5344CB8AC3E}">
-        <p14:creationId xmlns:p14="http://schemas.microsoft.com/office/powerpoint/2010/main" val="3412044034"/>
-      </p:ext>
-    </p:extLst>
-  </p:cSld>
-  <p:clrMapOvr>
-    <a:masterClrMapping/>
-  </p:clrMapOvr>
-  <p:timing>
-    <p:tnLst>
-      <p:par>
-        <p:cTn xmlns:p14="http://schemas.microsoft.com/office/powerpoint/2010/main" id="1" dur="indefinite" restart="never" nodeType="tmRoot"/>
-      </p:par>
-    </p:tnLst>
-  </p:timing>
-</p:sld>
-</file>
-
-<file path=ppt/slides/slide7.xml><?xml version="1.0" encoding="utf-8"?>
-<p:sld xmlns:a="http://schemas.openxmlformats.org/drawingml/2006/main" xmlns:r="http://schemas.openxmlformats.org/officeDocument/2006/relationships" xmlns:p="http://schemas.openxmlformats.org/presentationml/2006/main">
-  <p:cSld>
-    <p:spTree>
-      <p:nvGrpSpPr>
-        <p:cNvPr id="1" name=""/>
-        <p:cNvGrpSpPr/>
-        <p:nvPr/>
-      </p:nvGrpSpPr>
-      <p:grpSpPr>
-        <a:xfrm>
-          <a:off x="0" y="0"/>
-          <a:ext cx="0" cy="0"/>
-          <a:chOff x="0" y="0"/>
-          <a:chExt cx="0" cy="0"/>
-        </a:xfrm>
-      </p:grpSpPr>
-      <p:sp>
-        <p:nvSpPr>
-          <p:cNvPr id="2" name="Title 1"/>
-          <p:cNvSpPr>
-            <a:spLocks noGrp="1"/>
-          </p:cNvSpPr>
-          <p:nvPr>
-            <p:ph type="title"/>
-          </p:nvPr>
-        </p:nvSpPr>
-        <p:spPr/>
-        <p:txBody>
-          <a:bodyPr>
-            <a:normAutofit fontScale="90000"/>
-          </a:bodyPr>
-          <a:lstStyle/>
-          <a:p>
-            <a:r>
-              <a:rPr lang="en-US" dirty="0" smtClean="0"/>
-              <a:t>Dynamic Symbolic </a:t>
-            </a:r>
-            <a:r>
-              <a:rPr lang="en-US" dirty="0" smtClean="0"/>
-              <a:t>Execution (DSE)</a:t>
+              <a:t>Dynamic Symbolic Execution (DSE)</a:t>
             </a:r>
             <a:endParaRPr lang="en-US" dirty="0"/>
           </a:p>
@@ -11110,7 +10939,7 @@
             <a:fld id="{9648F39E-9C37-485F-AC97-16BB4BDF9F49}" type="slidenum">
               <a:rPr kumimoji="0" lang="en-US" smtClean="0"/>
               <a:pPr/>
-              <a:t>7</a:t>
+              <a:t>6</a:t>
             </a:fld>
             <a:endParaRPr kumimoji="0" lang="en-US"/>
           </a:p>
@@ -11157,7 +10986,7 @@
     </p:spTree>
     <p:extLst>
       <p:ext uri="{BB962C8B-B14F-4D97-AF65-F5344CB8AC3E}">
-        <p14:creationId xmlns:p14="http://schemas.microsoft.com/office/powerpoint/2010/main" val="275617267"/>
+        <p14:creationId xmlns:p14="http://schemas.microsoft.com/office/powerpoint/2010/main" xmlns="" val="275617267"/>
       </p:ext>
     </p:extLst>
   </p:cSld>
@@ -11167,7 +10996,7 @@
   <p:timing>
     <p:tnLst>
       <p:par>
-        <p:cTn xmlns:p14="http://schemas.microsoft.com/office/powerpoint/2010/main" id="1" dur="indefinite" restart="never" nodeType="tmRoot">
+        <p:cTn id="1" dur="indefinite" restart="never" nodeType="tmRoot">
           <p:childTnLst>
             <p:seq concurrent="1" nextAc="seek">
               <p:cTn id="2" dur="indefinite" nodeType="mainSeq">
@@ -14138,6 +13967,106 @@
 </p:sld>
 </file>
 
+<file path=ppt/slides/slide7.xml><?xml version="1.0" encoding="utf-8"?>
+<p:sld xmlns:a="http://schemas.openxmlformats.org/drawingml/2006/main" xmlns:r="http://schemas.openxmlformats.org/officeDocument/2006/relationships" xmlns:p="http://schemas.openxmlformats.org/presentationml/2006/main">
+  <p:cSld>
+    <p:spTree>
+      <p:nvGrpSpPr>
+        <p:cNvPr id="1" name=""/>
+        <p:cNvGrpSpPr/>
+        <p:nvPr/>
+      </p:nvGrpSpPr>
+      <p:grpSpPr>
+        <a:xfrm>
+          <a:off x="0" y="0"/>
+          <a:ext cx="0" cy="0"/>
+          <a:chOff x="0" y="0"/>
+          <a:chExt cx="0" cy="0"/>
+        </a:xfrm>
+      </p:grpSpPr>
+      <p:sp>
+        <p:nvSpPr>
+          <p:cNvPr id="2" name="Title 1"/>
+          <p:cNvSpPr>
+            <a:spLocks noGrp="1"/>
+          </p:cNvSpPr>
+          <p:nvPr>
+            <p:ph type="title"/>
+          </p:nvPr>
+        </p:nvSpPr>
+        <p:spPr/>
+        <p:txBody>
+          <a:bodyPr/>
+          <a:lstStyle/>
+          <a:p>
+            <a:r>
+              <a:rPr lang="en-US" dirty="0" smtClean="0"/>
+              <a:t>Path Explosion in DSE</a:t>
+            </a:r>
+            <a:endParaRPr lang="en-US" dirty="0"/>
+          </a:p>
+        </p:txBody>
+      </p:sp>
+      <p:sp>
+        <p:nvSpPr>
+          <p:cNvPr id="3" name="Content Placeholder 2"/>
+          <p:cNvSpPr>
+            <a:spLocks noGrp="1"/>
+          </p:cNvSpPr>
+          <p:nvPr>
+            <p:ph idx="1"/>
+          </p:nvPr>
+        </p:nvSpPr>
+        <p:spPr/>
+        <p:txBody>
+          <a:bodyPr/>
+          <a:lstStyle/>
+          <a:p>
+            <a:r>
+              <a:rPr lang="en-US" dirty="0" smtClean="0"/>
+              <a:t>In theory, DSE can explore all paths of a program eventually </a:t>
+            </a:r>
+          </a:p>
+          <a:p>
+            <a:endParaRPr lang="en-US" dirty="0" smtClean="0"/>
+          </a:p>
+          <a:p>
+            <a:r>
+              <a:rPr lang="en-US" dirty="0" smtClean="0"/>
+              <a:t>The number of paths in a program increases exponentially on number of branches</a:t>
+            </a:r>
+          </a:p>
+          <a:p>
+            <a:endParaRPr lang="en-US" dirty="0"/>
+          </a:p>
+          <a:p>
+            <a:r>
+              <a:rPr lang="en-US" dirty="0" smtClean="0"/>
+              <a:t>In practice, it is impossible to explore all paths of a program</a:t>
+            </a:r>
+          </a:p>
+        </p:txBody>
+      </p:sp>
+    </p:spTree>
+    <p:extLst>
+      <p:ext uri="{BB962C8B-B14F-4D97-AF65-F5344CB8AC3E}">
+        <p14:creationId xmlns:p14="http://schemas.microsoft.com/office/powerpoint/2010/main" xmlns="" val="1025866376"/>
+      </p:ext>
+    </p:extLst>
+  </p:cSld>
+  <p:clrMapOvr>
+    <a:masterClrMapping/>
+  </p:clrMapOvr>
+  <p:timing>
+    <p:tnLst>
+      <p:par>
+        <p:cTn id="1" dur="indefinite" restart="never" nodeType="tmRoot"/>
+      </p:par>
+    </p:tnLst>
+  </p:timing>
+</p:sld>
+</file>
+
 <file path=ppt/slides/slide8.xml><?xml version="1.0" encoding="utf-8"?>
 <p:sld xmlns:a="http://schemas.openxmlformats.org/drawingml/2006/main" xmlns:r="http://schemas.openxmlformats.org/officeDocument/2006/relationships" xmlns:p="http://schemas.openxmlformats.org/presentationml/2006/main">
   <p:cSld>
@@ -14172,7 +14101,7 @@
           <a:p>
             <a:r>
               <a:rPr lang="en-US" dirty="0" smtClean="0"/>
-              <a:t>Path Explosion in DSE</a:t>
+              <a:t>Heuristics in Assisting DSE</a:t>
             </a:r>
             <a:endParaRPr lang="en-US" dirty="0"/>
           </a:p>
@@ -14190,38 +14119,108 @@
         </p:nvSpPr>
         <p:spPr/>
         <p:txBody>
-          <a:bodyPr/>
+          <a:bodyPr>
+            <a:normAutofit fontScale="92500" lnSpcReduction="20000"/>
+          </a:bodyPr>
           <a:lstStyle/>
           <a:p>
             <a:r>
+              <a:rPr lang="en-US" dirty="0"/>
+              <a:t>Often the case, it is </a:t>
+            </a:r>
+            <a:r>
               <a:rPr lang="en-US" dirty="0" smtClean="0"/>
-              <a:t>In theory, DSE can explore all paths of a program eventually </a:t>
-            </a:r>
-          </a:p>
-          <a:p>
+              <a:t>enough to </a:t>
+            </a:r>
+            <a:r>
+              <a:rPr lang="en-US" dirty="0" smtClean="0"/>
+              <a:t>achieve certain </a:t>
+            </a:r>
+            <a:r>
+              <a:rPr lang="en-US" dirty="0" smtClean="0"/>
+              <a:t>structural coverage </a:t>
+            </a:r>
+            <a:r>
+              <a:rPr lang="en-US" dirty="0"/>
+              <a:t>of the </a:t>
+            </a:r>
+            <a:r>
+              <a:rPr lang="en-US" dirty="0" smtClean="0"/>
+              <a:t>program</a:t>
+            </a:r>
+          </a:p>
+          <a:p>
+            <a:pPr lvl="1"/>
+            <a:r>
+              <a:rPr lang="en-US" dirty="0" smtClean="0"/>
+              <a:t>statements</a:t>
+            </a:r>
+          </a:p>
+          <a:p>
+            <a:pPr lvl="1"/>
+            <a:r>
+              <a:rPr lang="en-US" dirty="0" smtClean="0"/>
+              <a:t>branches </a:t>
+            </a:r>
+          </a:p>
+          <a:p>
+            <a:pPr lvl="1"/>
+            <a:r>
+              <a:rPr lang="en-US" dirty="0" smtClean="0"/>
+              <a:t>atomic predicates</a:t>
+            </a:r>
+          </a:p>
+          <a:p>
+            <a:pPr lvl="1"/>
             <a:endParaRPr lang="en-US" dirty="0" smtClean="0"/>
           </a:p>
           <a:p>
             <a:r>
+              <a:rPr lang="en-US" dirty="0"/>
+              <a:t>There is an </a:t>
+            </a:r>
+            <a:r>
               <a:rPr lang="en-US" dirty="0" smtClean="0"/>
-              <a:t>The number of paths in a program increases exponentially on number of branches</a:t>
-            </a:r>
-          </a:p>
-          <a:p>
+              <a:t>mismatch between path</a:t>
+            </a:r>
+            <a:r>
+              <a:rPr lang="en-US" dirty="0"/>
+              <a:t>-based </a:t>
+            </a:r>
+            <a:r>
+              <a:rPr lang="en-US" dirty="0" smtClean="0"/>
+              <a:t>coverage and </a:t>
+            </a:r>
+            <a:r>
+              <a:rPr lang="en-US" dirty="0"/>
+              <a:t>such </a:t>
+            </a:r>
+            <a:r>
+              <a:rPr lang="en-US" dirty="0" smtClean="0"/>
+              <a:t>structural coverage goals</a:t>
+            </a:r>
+          </a:p>
+          <a:p>
+            <a:pPr lvl="1"/>
+            <a:r>
+              <a:rPr lang="en-US" dirty="0" smtClean="0"/>
+              <a:t>achieve new path coverage, but no new structural coverage</a:t>
+            </a:r>
+          </a:p>
+          <a:p>
+            <a:pPr lvl="1"/>
+            <a:r>
+              <a:rPr lang="en-US" dirty="0" smtClean="0"/>
+              <a:t>propose three heuristics to address this issue</a:t>
+            </a:r>
             <a:endParaRPr lang="en-US" dirty="0"/>
-          </a:p>
-          <a:p>
-            <a:r>
-              <a:rPr lang="en-US" dirty="0" smtClean="0"/>
-              <a:t>In practice, it is impossible to explore all paths of a program</a:t>
-            </a:r>
           </a:p>
         </p:txBody>
       </p:sp>
     </p:spTree>
     <p:extLst>
       <p:ext uri="{BB962C8B-B14F-4D97-AF65-F5344CB8AC3E}">
-        <p14:creationId xmlns:p14="http://schemas.microsoft.com/office/powerpoint/2010/main" val="1025866376"/>
+        <p14:creationId xmlns:p14="http://schemas.microsoft.com/office/powerpoint/2010/main" xmlns="" val="372550264"/>
       </p:ext>
     </p:extLst>
   </p:cSld>
@@ -14231,7 +14230,7 @@
   <p:timing>
     <p:tnLst>
       <p:par>
-        <p:cTn xmlns:p14="http://schemas.microsoft.com/office/powerpoint/2010/main" id="1" dur="indefinite" restart="never" nodeType="tmRoot"/>
+        <p:cTn id="1" dur="indefinite" restart="never" nodeType="tmRoot"/>
       </p:par>
     </p:tnLst>
   </p:timing>
@@ -14271,8 +14270,20 @@
           <a:lstStyle/>
           <a:p>
             <a:r>
-              <a:rPr lang="en-US" dirty="0" smtClean="0"/>
-              <a:t>Heuristics in Assisting DSE</a:t>
+              <a:rPr lang="nl-NL" dirty="0"/>
+              <a:t>Look-</a:t>
+            </a:r>
+            <a:r>
+              <a:rPr lang="nl-NL" dirty="0" err="1"/>
+              <a:t>Ahead</a:t>
+            </a:r>
+            <a:r>
+              <a:rPr lang="nl-NL" dirty="0"/>
+              <a:t> </a:t>
+            </a:r>
+            <a:r>
+              <a:rPr lang="nl-NL" dirty="0" err="1"/>
+              <a:t>heuristic</a:t>
             </a:r>
             <a:endParaRPr lang="en-US" dirty="0"/>
           </a:p>
@@ -14288,102 +14299,105 @@
             <p:ph idx="1"/>
           </p:nvPr>
         </p:nvSpPr>
-        <p:spPr/>
+        <p:spPr>
+          <a:xfrm>
+            <a:off x="457200" y="1775191"/>
+            <a:ext cx="5538694" cy="4625609"/>
+          </a:xfrm>
+        </p:spPr>
         <p:txBody>
           <a:bodyPr>
-            <a:normAutofit fontScale="92500" lnSpcReduction="20000"/>
+            <a:normAutofit/>
           </a:bodyPr>
           <a:lstStyle/>
           <a:p>
             <a:r>
-              <a:rPr lang="en-US" dirty="0"/>
-              <a:t>Often the case, it is </a:t>
-            </a:r>
-            <a:r>
-              <a:rPr lang="en-US" dirty="0" smtClean="0"/>
-              <a:t>enough to certain structural coverage </a:t>
-            </a:r>
-            <a:r>
-              <a:rPr lang="en-US" dirty="0"/>
-              <a:t>of the </a:t>
-            </a:r>
-            <a:r>
-              <a:rPr lang="en-US" dirty="0" smtClean="0"/>
-              <a:t>program</a:t>
-            </a:r>
-          </a:p>
-          <a:p>
-            <a:pPr lvl="1"/>
-            <a:r>
-              <a:rPr lang="en-US" dirty="0" smtClean="0"/>
-              <a:t>statements</a:t>
-            </a:r>
-          </a:p>
-          <a:p>
-            <a:pPr lvl="1"/>
-            <a:r>
-              <a:rPr lang="en-US" dirty="0" smtClean="0"/>
-              <a:t>branches </a:t>
-            </a:r>
-          </a:p>
-          <a:p>
-            <a:pPr lvl="1"/>
-            <a:r>
-              <a:rPr lang="en-US" dirty="0" smtClean="0"/>
-              <a:t>atomic predicates</a:t>
-            </a:r>
-          </a:p>
-          <a:p>
-            <a:pPr lvl="1"/>
-            <a:endParaRPr lang="en-US" dirty="0" smtClean="0"/>
-          </a:p>
-          <a:p>
-            <a:r>
-              <a:rPr lang="en-US" dirty="0"/>
-              <a:t>There is an </a:t>
-            </a:r>
-            <a:r>
-              <a:rPr lang="en-US" dirty="0" smtClean="0"/>
-              <a:t>mismatch between path</a:t>
-            </a:r>
-            <a:r>
-              <a:rPr lang="en-US" dirty="0"/>
-              <a:t>-based </a:t>
-            </a:r>
-            <a:r>
-              <a:rPr lang="en-US" dirty="0" smtClean="0"/>
-              <a:t>coverage and </a:t>
-            </a:r>
-            <a:r>
-              <a:rPr lang="en-US" dirty="0"/>
-              <a:t>such </a:t>
-            </a:r>
-            <a:r>
-              <a:rPr lang="en-US" dirty="0" smtClean="0"/>
-              <a:t>structural coverage goals</a:t>
-            </a:r>
-          </a:p>
-          <a:p>
-            <a:pPr lvl="1"/>
-            <a:r>
-              <a:rPr lang="en-US" dirty="0" smtClean="0"/>
-              <a:t>achieve new path coverage, but no new structural coverage</a:t>
-            </a:r>
-          </a:p>
-          <a:p>
-            <a:pPr lvl="1"/>
-            <a:r>
-              <a:rPr lang="en-US" dirty="0" smtClean="0"/>
-              <a:t>propose three heuristics to address this issue</a:t>
-            </a:r>
-            <a:endParaRPr lang="en-US" dirty="0"/>
-          </a:p>
-        </p:txBody>
-      </p:sp>
+              <a:rPr lang="en-US" sz="2400" dirty="0" smtClean="0"/>
+              <a:t>Perform </a:t>
+            </a:r>
+            <a:r>
+              <a:rPr lang="en-US" sz="2400" dirty="0"/>
+              <a:t>a reachability analysis in terms of reachable items in </a:t>
+            </a:r>
+            <a:r>
+              <a:rPr lang="en-US" sz="2400" dirty="0" smtClean="0"/>
+              <a:t>the CFG</a:t>
+            </a:r>
+          </a:p>
+          <a:p>
+            <a:endParaRPr lang="en-US" sz="2400" dirty="0" smtClean="0"/>
+          </a:p>
+          <a:p>
+            <a:r>
+              <a:rPr lang="en-US" sz="2400" dirty="0"/>
+              <a:t>D</a:t>
+            </a:r>
+            <a:r>
+              <a:rPr lang="en-US" sz="2400" dirty="0" smtClean="0"/>
+              <a:t>ecide </a:t>
+            </a:r>
+            <a:r>
+              <a:rPr lang="en-US" sz="2400" dirty="0"/>
+              <a:t>whether the current path must be expanded based on the reachability </a:t>
+            </a:r>
+            <a:r>
+              <a:rPr lang="en-US" sz="2400" dirty="0" smtClean="0"/>
+              <a:t>analysis</a:t>
+            </a:r>
+          </a:p>
+          <a:p>
+            <a:endParaRPr lang="en-US" sz="2400" dirty="0"/>
+          </a:p>
+          <a:p>
+            <a:r>
+              <a:rPr lang="en-US" sz="2400" dirty="0"/>
+              <a:t>If no new items can </a:t>
+            </a:r>
+            <a:r>
+              <a:rPr lang="en-US" sz="2400" dirty="0" smtClean="0"/>
+              <a:t>be reached</a:t>
+            </a:r>
+            <a:r>
+              <a:rPr lang="en-US" sz="2400" dirty="0"/>
+              <a:t>, then exploration along the current path is stopped.</a:t>
+            </a:r>
+          </a:p>
+        </p:txBody>
+      </p:sp>
+      <p:pic>
+        <p:nvPicPr>
+          <p:cNvPr id="4" name="Picture 3" descr="Screen shot 2011-05-08 at 12.15.24 AM.png"/>
+          <p:cNvPicPr>
+            <a:picLocks noChangeAspect="1"/>
+          </p:cNvPicPr>
+          <p:nvPr/>
+        </p:nvPicPr>
+        <p:blipFill>
+          <a:blip r:embed="rId2">
+            <a:extLst>
+              <a:ext uri="{28A0092B-C50C-407E-A947-70E740481C1C}">
+                <a14:useLocalDpi xmlns:a14="http://schemas.microsoft.com/office/drawing/2010/main" xmlns="" val="0"/>
+              </a:ext>
+            </a:extLst>
+          </a:blip>
+          <a:stretch>
+            <a:fillRect/>
+          </a:stretch>
+        </p:blipFill>
+        <p:spPr>
+          <a:xfrm>
+            <a:off x="6275516" y="2029191"/>
+            <a:ext cx="2868484" cy="3977162"/>
+          </a:xfrm>
+          <a:prstGeom prst="rect">
+            <a:avLst/>
+          </a:prstGeom>
+        </p:spPr>
+      </p:pic>
     </p:spTree>
     <p:extLst>
       <p:ext uri="{BB962C8B-B14F-4D97-AF65-F5344CB8AC3E}">
-        <p14:creationId xmlns:p14="http://schemas.microsoft.com/office/powerpoint/2010/main" val="372550264"/>
+        <p14:creationId xmlns:p14="http://schemas.microsoft.com/office/powerpoint/2010/main" xmlns="" val="2918294584"/>
       </p:ext>
     </p:extLst>
   </p:cSld>
@@ -14393,7 +14407,7 @@
   <p:timing>
     <p:tnLst>
       <p:par>
-        <p:cTn xmlns:p14="http://schemas.microsoft.com/office/powerpoint/2010/main" id="1" dur="indefinite" restart="never" nodeType="tmRoot"/>
+        <p:cTn id="1" dur="indefinite" restart="never" nodeType="tmRoot"/>
       </p:par>
     </p:tnLst>
   </p:timing>
